--- a/Scripts y Documentación/Presentación Producto.pptx
+++ b/Scripts y Documentación/Presentación Producto.pptx
@@ -5,26 +5,25 @@
     <p:sldMasterId id="2147483693" r:id="rId1"/>
   </p:sldMasterIdLst>
   <p:notesMasterIdLst>
-    <p:notesMasterId r:id="rId19"/>
+    <p:notesMasterId r:id="rId18"/>
   </p:notesMasterIdLst>
   <p:sldIdLst>
     <p:sldId id="278" r:id="rId2"/>
     <p:sldId id="292" r:id="rId3"/>
-    <p:sldId id="279" r:id="rId4"/>
-    <p:sldId id="280" r:id="rId5"/>
-    <p:sldId id="281" r:id="rId6"/>
-    <p:sldId id="293" r:id="rId7"/>
-    <p:sldId id="282" r:id="rId8"/>
-    <p:sldId id="283" r:id="rId9"/>
-    <p:sldId id="284" r:id="rId10"/>
-    <p:sldId id="285" r:id="rId11"/>
-    <p:sldId id="286" r:id="rId12"/>
-    <p:sldId id="287" r:id="rId13"/>
-    <p:sldId id="288" r:id="rId14"/>
-    <p:sldId id="291" r:id="rId15"/>
-    <p:sldId id="289" r:id="rId16"/>
-    <p:sldId id="294" r:id="rId17"/>
-    <p:sldId id="290" r:id="rId18"/>
+    <p:sldId id="295" r:id="rId4"/>
+    <p:sldId id="296" r:id="rId5"/>
+    <p:sldId id="298" r:id="rId6"/>
+    <p:sldId id="299" r:id="rId7"/>
+    <p:sldId id="300" r:id="rId8"/>
+    <p:sldId id="279" r:id="rId9"/>
+    <p:sldId id="280" r:id="rId10"/>
+    <p:sldId id="281" r:id="rId11"/>
+    <p:sldId id="293" r:id="rId12"/>
+    <p:sldId id="282" r:id="rId13"/>
+    <p:sldId id="289" r:id="rId14"/>
+    <p:sldId id="297" r:id="rId15"/>
+    <p:sldId id="294" r:id="rId16"/>
+    <p:sldId id="290" r:id="rId17"/>
   </p:sldIdLst>
   <p:sldSz cx="9144000" cy="6858000" type="screen4x3"/>
   <p:notesSz cx="6858000" cy="9144000"/>
@@ -170,14 +169,6 @@
     </p:ext>
   </p:extLst>
 </p:presentation>
-</file>
-
-<file path=ppt/revisionInfo.xml><?xml version="1.0" encoding="utf-8"?>
-<p1510:revInfo xmlns:a="http://schemas.openxmlformats.org/drawingml/2006/main" xmlns:r="http://schemas.openxmlformats.org/officeDocument/2006/relationships" xmlns:p1510="http://schemas.microsoft.com/office/powerpoint/2015/10/main">
-  <p1510:revLst>
-    <p1510:client id="{6E4D247A-6D69-4838-AFBE-3F81178692C5}" v="48" dt="2021-08-03T22:22:11.618"/>
-  </p1510:revLst>
-</p1510:revInfo>
 </file>
 
 <file path=ppt/notesMasters/notesMaster1.xml><?xml version="1.0" encoding="utf-8"?>
@@ -5339,1601 +5330,6 @@
       </p:grpSpPr>
       <p:sp>
         <p:nvSpPr>
-          <p:cNvPr id="3" name="CuadroTexto 2">
-            <a:extLst>
-              <a:ext uri="{FF2B5EF4-FFF2-40B4-BE49-F238E27FC236}">
-                <a16:creationId xmlns:a16="http://schemas.microsoft.com/office/drawing/2014/main" id="{9538466F-F707-4406-918D-7343C03199E8}"/>
-              </a:ext>
-            </a:extLst>
-          </p:cNvPr>
-          <p:cNvSpPr txBox="1"/>
-          <p:nvPr/>
-        </p:nvSpPr>
-        <p:spPr>
-          <a:xfrm>
-            <a:off x="539552" y="908720"/>
-            <a:ext cx="6768752" cy="1465529"/>
-          </a:xfrm>
-          <a:prstGeom prst="rect">
-            <a:avLst/>
-          </a:prstGeom>
-          <a:noFill/>
-        </p:spPr>
-        <p:txBody>
-          <a:bodyPr wrap="square">
-            <a:spAutoFit/>
-          </a:bodyPr>
-          <a:lstStyle/>
-          <a:p>
-            <a:pPr>
-              <a:lnSpc>
-                <a:spcPct val="107000"/>
-              </a:lnSpc>
-              <a:spcAft>
-                <a:spcPts val="800"/>
-              </a:spcAft>
-            </a:pPr>
-            <a:r>
-              <a:rPr lang="es-CL" sz="2400" dirty="0">
-                <a:effectLst/>
-                <a:latin typeface="Calibri" panose="020F0502020204030204" pitchFamily="34" charset="0"/>
-                <a:ea typeface="Calibri" panose="020F0502020204030204" pitchFamily="34" charset="0"/>
-                <a:cs typeface="Times New Roman" panose="02020603050405020304" pitchFamily="18" charset="0"/>
-              </a:rPr>
-              <a:t>Clientes, puerto 8024.</a:t>
-            </a:r>
-          </a:p>
-          <a:p>
-            <a:pPr>
-              <a:lnSpc>
-                <a:spcPct val="107000"/>
-              </a:lnSpc>
-              <a:spcAft>
-                <a:spcPts val="800"/>
-              </a:spcAft>
-            </a:pPr>
-            <a:r>
-              <a:rPr lang="es-CL" sz="2400" dirty="0">
-                <a:effectLst/>
-                <a:latin typeface="Calibri" panose="020F0502020204030204" pitchFamily="34" charset="0"/>
-                <a:ea typeface="Calibri" panose="020F0502020204030204" pitchFamily="34" charset="0"/>
-                <a:cs typeface="Times New Roman" panose="02020603050405020304" pitchFamily="18" charset="0"/>
-              </a:rPr>
-              <a:t>Microservicio crear a un cliente empresa.</a:t>
-            </a:r>
-          </a:p>
-          <a:p>
-            <a:pPr>
-              <a:lnSpc>
-                <a:spcPct val="107000"/>
-              </a:lnSpc>
-              <a:spcAft>
-                <a:spcPts val="800"/>
-              </a:spcAft>
-            </a:pPr>
-            <a:r>
-              <a:rPr lang="es-CL" dirty="0">
-                <a:latin typeface="Calibri" panose="020F0502020204030204" pitchFamily="34" charset="0"/>
-                <a:cs typeface="Times New Roman" panose="02020603050405020304" pitchFamily="18" charset="0"/>
-                <a:hlinkClick r:id="rId2">
-                  <a:extLst>
-                    <a:ext uri="{A12FA001-AC4F-418D-AE19-62706E023703}">
-                      <ahyp:hlinkClr xmlns:ahyp="http://schemas.microsoft.com/office/drawing/2018/hyperlinkcolor" val="tx"/>
-                    </a:ext>
-                  </a:extLst>
-                </a:hlinkClick>
-              </a:rPr>
-              <a:t>http://localhost:8024/AgregarEmpresa</a:t>
-            </a:r>
-            <a:endParaRPr lang="es-CL" dirty="0">
-              <a:latin typeface="Calibri" panose="020F0502020204030204" pitchFamily="34" charset="0"/>
-              <a:cs typeface="Times New Roman" panose="02020603050405020304" pitchFamily="18" charset="0"/>
-            </a:endParaRPr>
-          </a:p>
-        </p:txBody>
-      </p:sp>
-      <p:pic>
-        <p:nvPicPr>
-          <p:cNvPr id="4" name="Imagen 3">
-            <a:extLst>
-              <a:ext uri="{FF2B5EF4-FFF2-40B4-BE49-F238E27FC236}">
-                <a16:creationId xmlns:a16="http://schemas.microsoft.com/office/drawing/2014/main" id="{4647E29B-6D85-48A4-891E-5787BEC0D159}"/>
-              </a:ext>
-            </a:extLst>
-          </p:cNvPr>
-          <p:cNvPicPr/>
-          <p:nvPr/>
-        </p:nvPicPr>
-        <p:blipFill>
-          <a:blip r:embed="rId3"/>
-          <a:stretch>
-            <a:fillRect/>
-          </a:stretch>
-        </p:blipFill>
-        <p:spPr>
-          <a:xfrm>
-            <a:off x="683568" y="2708920"/>
-            <a:ext cx="5612130" cy="2498090"/>
-          </a:xfrm>
-          <a:prstGeom prst="rect">
-            <a:avLst/>
-          </a:prstGeom>
-        </p:spPr>
-      </p:pic>
-    </p:spTree>
-    <p:extLst>
-      <p:ext uri="{BB962C8B-B14F-4D97-AF65-F5344CB8AC3E}">
-        <p14:creationId xmlns:p14="http://schemas.microsoft.com/office/powerpoint/2010/main" val="1249671677"/>
-      </p:ext>
-    </p:extLst>
-  </p:cSld>
-  <p:clrMapOvr>
-    <a:masterClrMapping/>
-  </p:clrMapOvr>
-</p:sld>
-</file>
-
-<file path=ppt/slides/slide11.xml><?xml version="1.0" encoding="utf-8"?>
-<p:sld xmlns:a="http://schemas.openxmlformats.org/drawingml/2006/main" xmlns:r="http://schemas.openxmlformats.org/officeDocument/2006/relationships" xmlns:p="http://schemas.openxmlformats.org/presentationml/2006/main">
-  <p:cSld>
-    <p:spTree>
-      <p:nvGrpSpPr>
-        <p:cNvPr id="1" name=""/>
-        <p:cNvGrpSpPr/>
-        <p:nvPr/>
-      </p:nvGrpSpPr>
-      <p:grpSpPr>
-        <a:xfrm>
-          <a:off x="0" y="0"/>
-          <a:ext cx="0" cy="0"/>
-          <a:chOff x="0" y="0"/>
-          <a:chExt cx="0" cy="0"/>
-        </a:xfrm>
-      </p:grpSpPr>
-      <p:sp>
-        <p:nvSpPr>
-          <p:cNvPr id="3" name="CuadroTexto 2">
-            <a:extLst>
-              <a:ext uri="{FF2B5EF4-FFF2-40B4-BE49-F238E27FC236}">
-                <a16:creationId xmlns:a16="http://schemas.microsoft.com/office/drawing/2014/main" id="{BFE19443-6814-4DD1-A6F2-C5D7BD0F9F17}"/>
-              </a:ext>
-            </a:extLst>
-          </p:cNvPr>
-          <p:cNvSpPr txBox="1"/>
-          <p:nvPr/>
-        </p:nvSpPr>
-        <p:spPr>
-          <a:xfrm>
-            <a:off x="323528" y="836712"/>
-            <a:ext cx="6768752" cy="1465529"/>
-          </a:xfrm>
-          <a:prstGeom prst="rect">
-            <a:avLst/>
-          </a:prstGeom>
-          <a:noFill/>
-        </p:spPr>
-        <p:txBody>
-          <a:bodyPr wrap="square">
-            <a:spAutoFit/>
-          </a:bodyPr>
-          <a:lstStyle/>
-          <a:p>
-            <a:pPr>
-              <a:lnSpc>
-                <a:spcPct val="107000"/>
-              </a:lnSpc>
-              <a:spcAft>
-                <a:spcPts val="800"/>
-              </a:spcAft>
-            </a:pPr>
-            <a:r>
-              <a:rPr lang="es-CL" sz="2400" dirty="0">
-                <a:effectLst/>
-                <a:latin typeface="Calibri" panose="020F0502020204030204" pitchFamily="34" charset="0"/>
-                <a:ea typeface="Calibri" panose="020F0502020204030204" pitchFamily="34" charset="0"/>
-                <a:cs typeface="Times New Roman" panose="02020603050405020304" pitchFamily="18" charset="0"/>
-              </a:rPr>
-              <a:t>Clientes, puerto 8024.</a:t>
-            </a:r>
-          </a:p>
-          <a:p>
-            <a:pPr>
-              <a:lnSpc>
-                <a:spcPct val="107000"/>
-              </a:lnSpc>
-              <a:spcAft>
-                <a:spcPts val="800"/>
-              </a:spcAft>
-            </a:pPr>
-            <a:r>
-              <a:rPr lang="es-CL" sz="2400" dirty="0">
-                <a:effectLst/>
-                <a:latin typeface="Calibri" panose="020F0502020204030204" pitchFamily="34" charset="0"/>
-                <a:ea typeface="Calibri" panose="020F0502020204030204" pitchFamily="34" charset="0"/>
-                <a:cs typeface="Times New Roman" panose="02020603050405020304" pitchFamily="18" charset="0"/>
-              </a:rPr>
-              <a:t>Microservicio crear a un cliente representante legal.</a:t>
-            </a:r>
-          </a:p>
-          <a:p>
-            <a:pPr>
-              <a:lnSpc>
-                <a:spcPct val="107000"/>
-              </a:lnSpc>
-              <a:spcAft>
-                <a:spcPts val="800"/>
-              </a:spcAft>
-            </a:pPr>
-            <a:r>
-              <a:rPr lang="es-CL" dirty="0">
-                <a:latin typeface="Calibri" panose="020F0502020204030204" pitchFamily="34" charset="0"/>
-                <a:cs typeface="Times New Roman" panose="02020603050405020304" pitchFamily="18" charset="0"/>
-                <a:hlinkClick r:id="rId2">
-                  <a:extLst>
-                    <a:ext uri="{A12FA001-AC4F-418D-AE19-62706E023703}">
-                      <ahyp:hlinkClr xmlns:ahyp="http://schemas.microsoft.com/office/drawing/2018/hyperlinkcolor" val="tx"/>
-                    </a:ext>
-                  </a:extLst>
-                </a:hlinkClick>
-              </a:rPr>
-              <a:t>http://localhost:8024/AgregarRepLegal</a:t>
-            </a:r>
-            <a:endParaRPr lang="es-CL" dirty="0">
-              <a:latin typeface="Calibri" panose="020F0502020204030204" pitchFamily="34" charset="0"/>
-              <a:cs typeface="Times New Roman" panose="02020603050405020304" pitchFamily="18" charset="0"/>
-            </a:endParaRPr>
-          </a:p>
-        </p:txBody>
-      </p:sp>
-      <p:pic>
-        <p:nvPicPr>
-          <p:cNvPr id="4" name="Imagen 3">
-            <a:extLst>
-              <a:ext uri="{FF2B5EF4-FFF2-40B4-BE49-F238E27FC236}">
-                <a16:creationId xmlns:a16="http://schemas.microsoft.com/office/drawing/2014/main" id="{41B9A29A-9BC2-42B9-A670-1C91E24286E6}"/>
-              </a:ext>
-            </a:extLst>
-          </p:cNvPr>
-          <p:cNvPicPr/>
-          <p:nvPr/>
-        </p:nvPicPr>
-        <p:blipFill>
-          <a:blip r:embed="rId3"/>
-          <a:stretch>
-            <a:fillRect/>
-          </a:stretch>
-        </p:blipFill>
-        <p:spPr>
-          <a:xfrm>
-            <a:off x="611560" y="2420888"/>
-            <a:ext cx="7488832" cy="3312368"/>
-          </a:xfrm>
-          <a:prstGeom prst="rect">
-            <a:avLst/>
-          </a:prstGeom>
-        </p:spPr>
-      </p:pic>
-    </p:spTree>
-    <p:extLst>
-      <p:ext uri="{BB962C8B-B14F-4D97-AF65-F5344CB8AC3E}">
-        <p14:creationId xmlns:p14="http://schemas.microsoft.com/office/powerpoint/2010/main" val="1025474008"/>
-      </p:ext>
-    </p:extLst>
-  </p:cSld>
-  <p:clrMapOvr>
-    <a:masterClrMapping/>
-  </p:clrMapOvr>
-</p:sld>
-</file>
-
-<file path=ppt/slides/slide12.xml><?xml version="1.0" encoding="utf-8"?>
-<p:sld xmlns:a="http://schemas.openxmlformats.org/drawingml/2006/main" xmlns:r="http://schemas.openxmlformats.org/officeDocument/2006/relationships" xmlns:p="http://schemas.openxmlformats.org/presentationml/2006/main">
-  <p:cSld>
-    <p:spTree>
-      <p:nvGrpSpPr>
-        <p:cNvPr id="1" name=""/>
-        <p:cNvGrpSpPr/>
-        <p:nvPr/>
-      </p:nvGrpSpPr>
-      <p:grpSpPr>
-        <a:xfrm>
-          <a:off x="0" y="0"/>
-          <a:ext cx="0" cy="0"/>
-          <a:chOff x="0" y="0"/>
-          <a:chExt cx="0" cy="0"/>
-        </a:xfrm>
-      </p:grpSpPr>
-      <p:sp>
-        <p:nvSpPr>
-          <p:cNvPr id="3" name="CuadroTexto 2">
-            <a:extLst>
-              <a:ext uri="{FF2B5EF4-FFF2-40B4-BE49-F238E27FC236}">
-                <a16:creationId xmlns:a16="http://schemas.microsoft.com/office/drawing/2014/main" id="{96298D7C-4AA8-4DAB-B22D-44218CDAEF93}"/>
-              </a:ext>
-            </a:extLst>
-          </p:cNvPr>
-          <p:cNvSpPr txBox="1"/>
-          <p:nvPr/>
-        </p:nvSpPr>
-        <p:spPr>
-          <a:xfrm>
-            <a:off x="323528" y="980728"/>
-            <a:ext cx="7632848" cy="1860702"/>
-          </a:xfrm>
-          <a:prstGeom prst="rect">
-            <a:avLst/>
-          </a:prstGeom>
-          <a:noFill/>
-        </p:spPr>
-        <p:txBody>
-          <a:bodyPr wrap="square">
-            <a:spAutoFit/>
-          </a:bodyPr>
-          <a:lstStyle/>
-          <a:p>
-            <a:pPr>
-              <a:lnSpc>
-                <a:spcPct val="107000"/>
-              </a:lnSpc>
-              <a:spcAft>
-                <a:spcPts val="800"/>
-              </a:spcAft>
-            </a:pPr>
-            <a:r>
-              <a:rPr lang="es-CL" sz="2400" dirty="0">
-                <a:effectLst/>
-                <a:latin typeface="Calibri" panose="020F0502020204030204" pitchFamily="34" charset="0"/>
-                <a:ea typeface="Calibri" panose="020F0502020204030204" pitchFamily="34" charset="0"/>
-                <a:cs typeface="Times New Roman" panose="02020603050405020304" pitchFamily="18" charset="0"/>
-              </a:rPr>
-              <a:t>Producto, puerto 8026.</a:t>
-            </a:r>
-          </a:p>
-          <a:p>
-            <a:pPr>
-              <a:lnSpc>
-                <a:spcPct val="107000"/>
-              </a:lnSpc>
-              <a:spcAft>
-                <a:spcPts val="800"/>
-              </a:spcAft>
-            </a:pPr>
-            <a:r>
-              <a:rPr lang="es-CL" sz="2400" dirty="0">
-                <a:effectLst/>
-                <a:latin typeface="Calibri" panose="020F0502020204030204" pitchFamily="34" charset="0"/>
-                <a:ea typeface="Calibri" panose="020F0502020204030204" pitchFamily="34" charset="0"/>
-                <a:cs typeface="Times New Roman" panose="02020603050405020304" pitchFamily="18" charset="0"/>
-              </a:rPr>
-              <a:t>Microservicio para consultar un producto por su código de barra y cantidad.</a:t>
-            </a:r>
-          </a:p>
-          <a:p>
-            <a:pPr>
-              <a:lnSpc>
-                <a:spcPct val="107000"/>
-              </a:lnSpc>
-              <a:spcAft>
-                <a:spcPts val="800"/>
-              </a:spcAft>
-            </a:pPr>
-            <a:r>
-              <a:rPr lang="es-CL" dirty="0">
-                <a:latin typeface="Calibri" panose="020F0502020204030204" pitchFamily="34" charset="0"/>
-                <a:cs typeface="Times New Roman" panose="02020603050405020304" pitchFamily="18" charset="0"/>
-                <a:hlinkClick r:id="rId2">
-                  <a:extLst>
-                    <a:ext uri="{A12FA001-AC4F-418D-AE19-62706E023703}">
-                      <ahyp:hlinkClr xmlns:ahyp="http://schemas.microsoft.com/office/drawing/2018/hyperlinkcolor" val="tx"/>
-                    </a:ext>
-                  </a:extLst>
-                </a:hlinkClick>
-              </a:rPr>
-              <a:t>http://localhost:8026/ConsultaNombreProducto</a:t>
-            </a:r>
-            <a:endParaRPr lang="es-CL" dirty="0">
-              <a:latin typeface="Calibri" panose="020F0502020204030204" pitchFamily="34" charset="0"/>
-              <a:cs typeface="Times New Roman" panose="02020603050405020304" pitchFamily="18" charset="0"/>
-            </a:endParaRPr>
-          </a:p>
-        </p:txBody>
-      </p:sp>
-      <p:pic>
-        <p:nvPicPr>
-          <p:cNvPr id="4" name="Imagen 3">
-            <a:extLst>
-              <a:ext uri="{FF2B5EF4-FFF2-40B4-BE49-F238E27FC236}">
-                <a16:creationId xmlns:a16="http://schemas.microsoft.com/office/drawing/2014/main" id="{964AADD4-E63E-484F-B90E-5E5CFABE8161}"/>
-              </a:ext>
-            </a:extLst>
-          </p:cNvPr>
-          <p:cNvPicPr/>
-          <p:nvPr/>
-        </p:nvPicPr>
-        <p:blipFill>
-          <a:blip r:embed="rId3"/>
-          <a:stretch>
-            <a:fillRect/>
-          </a:stretch>
-        </p:blipFill>
-        <p:spPr>
-          <a:xfrm>
-            <a:off x="1259632" y="2999441"/>
-            <a:ext cx="5544616" cy="3309879"/>
-          </a:xfrm>
-          <a:prstGeom prst="rect">
-            <a:avLst/>
-          </a:prstGeom>
-        </p:spPr>
-      </p:pic>
-    </p:spTree>
-    <p:extLst>
-      <p:ext uri="{BB962C8B-B14F-4D97-AF65-F5344CB8AC3E}">
-        <p14:creationId xmlns:p14="http://schemas.microsoft.com/office/powerpoint/2010/main" val="2170062055"/>
-      </p:ext>
-    </p:extLst>
-  </p:cSld>
-  <p:clrMapOvr>
-    <a:masterClrMapping/>
-  </p:clrMapOvr>
-</p:sld>
-</file>
-
-<file path=ppt/slides/slide13.xml><?xml version="1.0" encoding="utf-8"?>
-<p:sld xmlns:a="http://schemas.openxmlformats.org/drawingml/2006/main" xmlns:r="http://schemas.openxmlformats.org/officeDocument/2006/relationships" xmlns:p="http://schemas.openxmlformats.org/presentationml/2006/main">
-  <p:cSld>
-    <p:spTree>
-      <p:nvGrpSpPr>
-        <p:cNvPr id="1" name=""/>
-        <p:cNvGrpSpPr/>
-        <p:nvPr/>
-      </p:nvGrpSpPr>
-      <p:grpSpPr>
-        <a:xfrm>
-          <a:off x="0" y="0"/>
-          <a:ext cx="0" cy="0"/>
-          <a:chOff x="0" y="0"/>
-          <a:chExt cx="0" cy="0"/>
-        </a:xfrm>
-      </p:grpSpPr>
-      <p:sp>
-        <p:nvSpPr>
-          <p:cNvPr id="3" name="CuadroTexto 2">
-            <a:extLst>
-              <a:ext uri="{FF2B5EF4-FFF2-40B4-BE49-F238E27FC236}">
-                <a16:creationId xmlns:a16="http://schemas.microsoft.com/office/drawing/2014/main" id="{07ABEE83-CB37-478E-B977-2E89D9E2B98A}"/>
-              </a:ext>
-            </a:extLst>
-          </p:cNvPr>
-          <p:cNvSpPr txBox="1"/>
-          <p:nvPr/>
-        </p:nvSpPr>
-        <p:spPr>
-          <a:xfrm>
-            <a:off x="179512" y="836712"/>
-            <a:ext cx="7056784" cy="1465529"/>
-          </a:xfrm>
-          <a:prstGeom prst="rect">
-            <a:avLst/>
-          </a:prstGeom>
-          <a:noFill/>
-        </p:spPr>
-        <p:txBody>
-          <a:bodyPr wrap="square">
-            <a:spAutoFit/>
-          </a:bodyPr>
-          <a:lstStyle/>
-          <a:p>
-            <a:pPr>
-              <a:lnSpc>
-                <a:spcPct val="107000"/>
-              </a:lnSpc>
-              <a:spcAft>
-                <a:spcPts val="800"/>
-              </a:spcAft>
-            </a:pPr>
-            <a:r>
-              <a:rPr lang="es-CL" sz="2400" dirty="0">
-                <a:effectLst/>
-                <a:latin typeface="Calibri" panose="020F0502020204030204" pitchFamily="34" charset="0"/>
-                <a:ea typeface="Calibri" panose="020F0502020204030204" pitchFamily="34" charset="0"/>
-                <a:cs typeface="Times New Roman" panose="02020603050405020304" pitchFamily="18" charset="0"/>
-              </a:rPr>
-              <a:t>Voucher, puerto 8025.</a:t>
-            </a:r>
-          </a:p>
-          <a:p>
-            <a:pPr>
-              <a:lnSpc>
-                <a:spcPct val="107000"/>
-              </a:lnSpc>
-              <a:spcAft>
-                <a:spcPts val="800"/>
-              </a:spcAft>
-            </a:pPr>
-            <a:r>
-              <a:rPr lang="es-CL" sz="2400" dirty="0">
-                <a:effectLst/>
-                <a:latin typeface="Calibri" panose="020F0502020204030204" pitchFamily="34" charset="0"/>
-                <a:ea typeface="Calibri" panose="020F0502020204030204" pitchFamily="34" charset="0"/>
-                <a:cs typeface="Times New Roman" panose="02020603050405020304" pitchFamily="18" charset="0"/>
-              </a:rPr>
-              <a:t>Microservicio para consultar detalle de un Voucher.</a:t>
-            </a:r>
-          </a:p>
-          <a:p>
-            <a:pPr>
-              <a:lnSpc>
-                <a:spcPct val="107000"/>
-              </a:lnSpc>
-              <a:spcAft>
-                <a:spcPts val="800"/>
-              </a:spcAft>
-            </a:pPr>
-            <a:r>
-              <a:rPr lang="es-CL" dirty="0">
-                <a:latin typeface="Calibri" panose="020F0502020204030204" pitchFamily="34" charset="0"/>
-                <a:cs typeface="Times New Roman" panose="02020603050405020304" pitchFamily="18" charset="0"/>
-                <a:hlinkClick r:id="rId2">
-                  <a:extLst>
-                    <a:ext uri="{A12FA001-AC4F-418D-AE19-62706E023703}">
-                      <ahyp:hlinkClr xmlns:ahyp="http://schemas.microsoft.com/office/drawing/2018/hyperlinkcolor" val="tx"/>
-                    </a:ext>
-                  </a:extLst>
-                </a:hlinkClick>
-              </a:rPr>
-              <a:t>http://localhost:8025/consultaventa/123</a:t>
-            </a:r>
-            <a:endParaRPr lang="es-CL" dirty="0">
-              <a:latin typeface="Calibri" panose="020F0502020204030204" pitchFamily="34" charset="0"/>
-              <a:cs typeface="Times New Roman" panose="02020603050405020304" pitchFamily="18" charset="0"/>
-            </a:endParaRPr>
-          </a:p>
-        </p:txBody>
-      </p:sp>
-      <p:pic>
-        <p:nvPicPr>
-          <p:cNvPr id="4" name="Imagen 3">
-            <a:extLst>
-              <a:ext uri="{FF2B5EF4-FFF2-40B4-BE49-F238E27FC236}">
-                <a16:creationId xmlns:a16="http://schemas.microsoft.com/office/drawing/2014/main" id="{5993AEE7-03AF-48F5-B35F-C2972A7DA00B}"/>
-              </a:ext>
-            </a:extLst>
-          </p:cNvPr>
-          <p:cNvPicPr/>
-          <p:nvPr/>
-        </p:nvPicPr>
-        <p:blipFill>
-          <a:blip r:embed="rId3"/>
-          <a:stretch>
-            <a:fillRect/>
-          </a:stretch>
-        </p:blipFill>
-        <p:spPr>
-          <a:xfrm>
-            <a:off x="2123728" y="2273432"/>
-            <a:ext cx="4680520" cy="3963880"/>
-          </a:xfrm>
-          <a:prstGeom prst="rect">
-            <a:avLst/>
-          </a:prstGeom>
-        </p:spPr>
-      </p:pic>
-    </p:spTree>
-    <p:extLst>
-      <p:ext uri="{BB962C8B-B14F-4D97-AF65-F5344CB8AC3E}">
-        <p14:creationId xmlns:p14="http://schemas.microsoft.com/office/powerpoint/2010/main" val="251701990"/>
-      </p:ext>
-    </p:extLst>
-  </p:cSld>
-  <p:clrMapOvr>
-    <a:masterClrMapping/>
-  </p:clrMapOvr>
-</p:sld>
-</file>
-
-<file path=ppt/slides/slide14.xml><?xml version="1.0" encoding="utf-8"?>
-<p:sld xmlns:a="http://schemas.openxmlformats.org/drawingml/2006/main" xmlns:r="http://schemas.openxmlformats.org/officeDocument/2006/relationships" xmlns:p="http://schemas.openxmlformats.org/presentationml/2006/main">
-  <p:cSld>
-    <p:spTree>
-      <p:nvGrpSpPr>
-        <p:cNvPr id="1" name=""/>
-        <p:cNvGrpSpPr/>
-        <p:nvPr/>
-      </p:nvGrpSpPr>
-      <p:grpSpPr>
-        <a:xfrm>
-          <a:off x="0" y="0"/>
-          <a:ext cx="0" cy="0"/>
-          <a:chOff x="0" y="0"/>
-          <a:chExt cx="0" cy="0"/>
-        </a:xfrm>
-      </p:grpSpPr>
-      <p:sp>
-        <p:nvSpPr>
-          <p:cNvPr id="3" name="CuadroTexto 2">
-            <a:extLst>
-              <a:ext uri="{FF2B5EF4-FFF2-40B4-BE49-F238E27FC236}">
-                <a16:creationId xmlns:a16="http://schemas.microsoft.com/office/drawing/2014/main" id="{07ABEE83-CB37-478E-B977-2E89D9E2B98A}"/>
-              </a:ext>
-            </a:extLst>
-          </p:cNvPr>
-          <p:cNvSpPr txBox="1"/>
-          <p:nvPr/>
-        </p:nvSpPr>
-        <p:spPr>
-          <a:xfrm>
-            <a:off x="179512" y="836712"/>
-            <a:ext cx="7056784" cy="1465529"/>
-          </a:xfrm>
-          <a:prstGeom prst="rect">
-            <a:avLst/>
-          </a:prstGeom>
-          <a:noFill/>
-        </p:spPr>
-        <p:txBody>
-          <a:bodyPr wrap="square">
-            <a:spAutoFit/>
-          </a:bodyPr>
-          <a:lstStyle/>
-          <a:p>
-            <a:pPr>
-              <a:lnSpc>
-                <a:spcPct val="107000"/>
-              </a:lnSpc>
-              <a:spcAft>
-                <a:spcPts val="800"/>
-              </a:spcAft>
-            </a:pPr>
-            <a:r>
-              <a:rPr lang="es-CL" sz="2400" dirty="0">
-                <a:effectLst/>
-                <a:latin typeface="Calibri" panose="020F0502020204030204" pitchFamily="34" charset="0"/>
-                <a:ea typeface="Calibri" panose="020F0502020204030204" pitchFamily="34" charset="0"/>
-                <a:cs typeface="Times New Roman" panose="02020603050405020304" pitchFamily="18" charset="0"/>
-              </a:rPr>
-              <a:t>Voucher, puerto 8025.</a:t>
-            </a:r>
-          </a:p>
-          <a:p>
-            <a:pPr>
-              <a:lnSpc>
-                <a:spcPct val="107000"/>
-              </a:lnSpc>
-              <a:spcAft>
-                <a:spcPts val="800"/>
-              </a:spcAft>
-            </a:pPr>
-            <a:r>
-              <a:rPr lang="es-CL" sz="2400" dirty="0">
-                <a:effectLst/>
-                <a:latin typeface="Calibri" panose="020F0502020204030204" pitchFamily="34" charset="0"/>
-                <a:ea typeface="Calibri" panose="020F0502020204030204" pitchFamily="34" charset="0"/>
-                <a:cs typeface="Times New Roman" panose="02020603050405020304" pitchFamily="18" charset="0"/>
-              </a:rPr>
-              <a:t>Microservicio para crear el Voucher con los productos.</a:t>
-            </a:r>
-          </a:p>
-          <a:p>
-            <a:pPr>
-              <a:lnSpc>
-                <a:spcPct val="107000"/>
-              </a:lnSpc>
-              <a:spcAft>
-                <a:spcPts val="800"/>
-              </a:spcAft>
-            </a:pPr>
-            <a:r>
-              <a:rPr lang="es-CL" dirty="0">
-                <a:latin typeface="Calibri" panose="020F0502020204030204" pitchFamily="34" charset="0"/>
-                <a:cs typeface="Times New Roman" panose="02020603050405020304" pitchFamily="18" charset="0"/>
-                <a:hlinkClick r:id="rId2">
-                  <a:extLst>
-                    <a:ext uri="{A12FA001-AC4F-418D-AE19-62706E023703}">
-                      <ahyp:hlinkClr xmlns:ahyp="http://schemas.microsoft.com/office/drawing/2018/hyperlinkcolor" val="tx"/>
-                    </a:ext>
-                  </a:extLst>
-                </a:hlinkClick>
-              </a:rPr>
-              <a:t>http://localhost:</a:t>
-            </a:r>
-            <a:r>
-              <a:rPr lang="es-CL" u="sng" dirty="0">
-                <a:latin typeface="Calibri" panose="020F0502020204030204" pitchFamily="34" charset="0"/>
-                <a:cs typeface="Times New Roman" panose="02020603050405020304" pitchFamily="18" charset="0"/>
-                <a:hlinkClick r:id="rId2">
-                  <a:extLst>
-                    <a:ext uri="{A12FA001-AC4F-418D-AE19-62706E023703}">
-                      <ahyp:hlinkClr xmlns:ahyp="http://schemas.microsoft.com/office/drawing/2018/hyperlinkcolor" val="tx"/>
-                    </a:ext>
-                  </a:extLst>
-                </a:hlinkClick>
-              </a:rPr>
-              <a:t>8025/</a:t>
-            </a:r>
-            <a:r>
-              <a:rPr lang="es-CL" u="sng" dirty="0">
-                <a:latin typeface="Calibri" panose="020F0502020204030204" pitchFamily="34" charset="0"/>
-                <a:cs typeface="Times New Roman" panose="02020603050405020304" pitchFamily="18" charset="0"/>
-              </a:rPr>
-              <a:t>agregarvoucher</a:t>
-            </a:r>
-          </a:p>
-        </p:txBody>
-      </p:sp>
-      <p:pic>
-        <p:nvPicPr>
-          <p:cNvPr id="5" name="Imagen 4" descr="Interfaz de usuario gráfica, Texto, Aplicación&#10;&#10;Descripción generada automáticamente">
-            <a:extLst>
-              <a:ext uri="{FF2B5EF4-FFF2-40B4-BE49-F238E27FC236}">
-                <a16:creationId xmlns:a16="http://schemas.microsoft.com/office/drawing/2014/main" id="{B9ED332E-B6C9-49CF-8F14-B4901A6CA671}"/>
-              </a:ext>
-            </a:extLst>
-          </p:cNvPr>
-          <p:cNvPicPr>
-            <a:picLocks noChangeAspect="1"/>
-          </p:cNvPicPr>
-          <p:nvPr/>
-        </p:nvPicPr>
-        <p:blipFill>
-          <a:blip r:embed="rId3"/>
-          <a:stretch>
-            <a:fillRect/>
-          </a:stretch>
-        </p:blipFill>
-        <p:spPr>
-          <a:xfrm>
-            <a:off x="1763688" y="2420888"/>
-            <a:ext cx="4191349" cy="3826884"/>
-          </a:xfrm>
-          <a:prstGeom prst="rect">
-            <a:avLst/>
-          </a:prstGeom>
-        </p:spPr>
-      </p:pic>
-    </p:spTree>
-    <p:extLst>
-      <p:ext uri="{BB962C8B-B14F-4D97-AF65-F5344CB8AC3E}">
-        <p14:creationId xmlns:p14="http://schemas.microsoft.com/office/powerpoint/2010/main" val="1676064081"/>
-      </p:ext>
-    </p:extLst>
-  </p:cSld>
-  <p:clrMapOvr>
-    <a:masterClrMapping/>
-  </p:clrMapOvr>
-</p:sld>
-</file>
-
-<file path=ppt/slides/slide15.xml><?xml version="1.0" encoding="utf-8"?>
-<p:sld xmlns:a="http://schemas.openxmlformats.org/drawingml/2006/main" xmlns:r="http://schemas.openxmlformats.org/officeDocument/2006/relationships" xmlns:p="http://schemas.openxmlformats.org/presentationml/2006/main">
-  <p:cSld>
-    <p:spTree>
-      <p:nvGrpSpPr>
-        <p:cNvPr id="1" name=""/>
-        <p:cNvGrpSpPr/>
-        <p:nvPr/>
-      </p:nvGrpSpPr>
-      <p:grpSpPr>
-        <a:xfrm>
-          <a:off x="0" y="0"/>
-          <a:ext cx="0" cy="0"/>
-          <a:chOff x="0" y="0"/>
-          <a:chExt cx="0" cy="0"/>
-        </a:xfrm>
-      </p:grpSpPr>
-      <p:sp>
-        <p:nvSpPr>
-          <p:cNvPr id="2" name="CuadroTexto 1">
-            <a:extLst>
-              <a:ext uri="{FF2B5EF4-FFF2-40B4-BE49-F238E27FC236}">
-                <a16:creationId xmlns:a16="http://schemas.microsoft.com/office/drawing/2014/main" id="{C59B9D60-2B50-4A85-B247-4756447B0223}"/>
-              </a:ext>
-            </a:extLst>
-          </p:cNvPr>
-          <p:cNvSpPr txBox="1"/>
-          <p:nvPr/>
-        </p:nvSpPr>
-        <p:spPr>
-          <a:xfrm>
-            <a:off x="467544" y="2421295"/>
-            <a:ext cx="7560840" cy="1015663"/>
-          </a:xfrm>
-          <a:prstGeom prst="rect">
-            <a:avLst/>
-          </a:prstGeom>
-          <a:noFill/>
-        </p:spPr>
-        <p:txBody>
-          <a:bodyPr wrap="square">
-            <a:spAutoFit/>
-          </a:bodyPr>
-          <a:lstStyle/>
-          <a:p>
-            <a:pPr algn="ctr"/>
-            <a:r>
-              <a:rPr lang="es-ES" sz="6000" b="1" dirty="0"/>
-              <a:t>Front Carnicería</a:t>
-            </a:r>
-            <a:endParaRPr lang="es-CL" sz="6000" b="1" dirty="0"/>
-          </a:p>
-        </p:txBody>
-      </p:sp>
-    </p:spTree>
-    <p:extLst>
-      <p:ext uri="{BB962C8B-B14F-4D97-AF65-F5344CB8AC3E}">
-        <p14:creationId xmlns:p14="http://schemas.microsoft.com/office/powerpoint/2010/main" val="1342737179"/>
-      </p:ext>
-    </p:extLst>
-  </p:cSld>
-  <p:clrMapOvr>
-    <a:masterClrMapping/>
-  </p:clrMapOvr>
-</p:sld>
-</file>
-
-<file path=ppt/slides/slide16.xml><?xml version="1.0" encoding="utf-8"?>
-<p:sld xmlns:a="http://schemas.openxmlformats.org/drawingml/2006/main" xmlns:r="http://schemas.openxmlformats.org/officeDocument/2006/relationships" xmlns:p="http://schemas.openxmlformats.org/presentationml/2006/main">
-  <p:cSld>
-    <p:spTree>
-      <p:nvGrpSpPr>
-        <p:cNvPr id="1" name=""/>
-        <p:cNvGrpSpPr/>
-        <p:nvPr/>
-      </p:nvGrpSpPr>
-      <p:grpSpPr>
-        <a:xfrm>
-          <a:off x="0" y="0"/>
-          <a:ext cx="0" cy="0"/>
-          <a:chOff x="0" y="0"/>
-          <a:chExt cx="0" cy="0"/>
-        </a:xfrm>
-      </p:grpSpPr>
-      <p:sp>
-        <p:nvSpPr>
-          <p:cNvPr id="2" name="CuadroTexto 1">
-            <a:extLst>
-              <a:ext uri="{FF2B5EF4-FFF2-40B4-BE49-F238E27FC236}">
-                <a16:creationId xmlns:a16="http://schemas.microsoft.com/office/drawing/2014/main" id="{C59B9D60-2B50-4A85-B247-4756447B0223}"/>
-              </a:ext>
-            </a:extLst>
-          </p:cNvPr>
-          <p:cNvSpPr txBox="1"/>
-          <p:nvPr/>
-        </p:nvSpPr>
-        <p:spPr>
-          <a:xfrm>
-            <a:off x="467544" y="980728"/>
-            <a:ext cx="7560840" cy="1015663"/>
-          </a:xfrm>
-          <a:prstGeom prst="rect">
-            <a:avLst/>
-          </a:prstGeom>
-          <a:noFill/>
-        </p:spPr>
-        <p:txBody>
-          <a:bodyPr wrap="square">
-            <a:spAutoFit/>
-          </a:bodyPr>
-          <a:lstStyle/>
-          <a:p>
-            <a:pPr algn="ctr"/>
-            <a:r>
-              <a:rPr lang="es-ES" sz="6000" b="1" dirty="0"/>
-              <a:t>Conclusión</a:t>
-            </a:r>
-            <a:endParaRPr lang="es-CL" sz="6000" b="1" dirty="0"/>
-          </a:p>
-        </p:txBody>
-      </p:sp>
-      <p:pic>
-        <p:nvPicPr>
-          <p:cNvPr id="3074" name="Picture 2" descr="África feliz celebración carnicero carne fresca en la carnicería Fotografía  de stock - Alamy">
-            <a:extLst>
-              <a:ext uri="{FF2B5EF4-FFF2-40B4-BE49-F238E27FC236}">
-                <a16:creationId xmlns:a16="http://schemas.microsoft.com/office/drawing/2014/main" id="{EE666342-CCF7-41E9-BF7F-D10C509E7940}"/>
-              </a:ext>
-            </a:extLst>
-          </p:cNvPr>
-          <p:cNvPicPr>
-            <a:picLocks noChangeAspect="1" noChangeArrowheads="1"/>
-          </p:cNvPicPr>
-          <p:nvPr/>
-        </p:nvPicPr>
-        <p:blipFill>
-          <a:blip r:embed="rId2">
-            <a:extLst>
-              <a:ext uri="{28A0092B-C50C-407E-A947-70E740481C1C}">
-                <a14:useLocalDpi xmlns:a14="http://schemas.microsoft.com/office/drawing/2010/main" val="0"/>
-              </a:ext>
-            </a:extLst>
-          </a:blip>
-          <a:srcRect/>
-          <a:stretch>
-            <a:fillRect/>
-          </a:stretch>
-        </p:blipFill>
-        <p:spPr bwMode="auto">
-          <a:xfrm>
-            <a:off x="2267744" y="2204864"/>
-            <a:ext cx="4785168" cy="3506688"/>
-          </a:xfrm>
-          <a:prstGeom prst="rect">
-            <a:avLst/>
-          </a:prstGeom>
-          <a:noFill/>
-          <a:extLst>
-            <a:ext uri="{909E8E84-426E-40DD-AFC4-6F175D3DCCD1}">
-              <a14:hiddenFill xmlns:a14="http://schemas.microsoft.com/office/drawing/2010/main">
-                <a:solidFill>
-                  <a:srgbClr val="FFFFFF"/>
-                </a:solidFill>
-              </a14:hiddenFill>
-            </a:ext>
-          </a:extLst>
-        </p:spPr>
-      </p:pic>
-    </p:spTree>
-    <p:extLst>
-      <p:ext uri="{BB962C8B-B14F-4D97-AF65-F5344CB8AC3E}">
-        <p14:creationId xmlns:p14="http://schemas.microsoft.com/office/powerpoint/2010/main" val="2114760644"/>
-      </p:ext>
-    </p:extLst>
-  </p:cSld>
-  <p:clrMapOvr>
-    <a:masterClrMapping/>
-  </p:clrMapOvr>
-</p:sld>
-</file>
-
-<file path=ppt/slides/slide17.xml><?xml version="1.0" encoding="utf-8"?>
-<p:sld xmlns:a="http://schemas.openxmlformats.org/drawingml/2006/main" xmlns:r="http://schemas.openxmlformats.org/officeDocument/2006/relationships" xmlns:p="http://schemas.openxmlformats.org/presentationml/2006/main">
-  <p:cSld>
-    <p:spTree>
-      <p:nvGrpSpPr>
-        <p:cNvPr id="1" name=""/>
-        <p:cNvGrpSpPr/>
-        <p:nvPr/>
-      </p:nvGrpSpPr>
-      <p:grpSpPr>
-        <a:xfrm>
-          <a:off x="0" y="0"/>
-          <a:ext cx="0" cy="0"/>
-          <a:chOff x="0" y="0"/>
-          <a:chExt cx="0" cy="0"/>
-        </a:xfrm>
-      </p:grpSpPr>
-      <p:sp>
-        <p:nvSpPr>
-          <p:cNvPr id="2" name="CuadroTexto 1">
-            <a:extLst>
-              <a:ext uri="{FF2B5EF4-FFF2-40B4-BE49-F238E27FC236}">
-                <a16:creationId xmlns:a16="http://schemas.microsoft.com/office/drawing/2014/main" id="{2AE8A4B3-C940-43BE-A340-EAEF04778AD3}"/>
-              </a:ext>
-            </a:extLst>
-          </p:cNvPr>
-          <p:cNvSpPr txBox="1"/>
-          <p:nvPr/>
-        </p:nvSpPr>
-        <p:spPr>
-          <a:xfrm>
-            <a:off x="467544" y="2421295"/>
-            <a:ext cx="7560840" cy="1015663"/>
-          </a:xfrm>
-          <a:prstGeom prst="rect">
-            <a:avLst/>
-          </a:prstGeom>
-          <a:noFill/>
-        </p:spPr>
-        <p:txBody>
-          <a:bodyPr wrap="square">
-            <a:spAutoFit/>
-          </a:bodyPr>
-          <a:lstStyle/>
-          <a:p>
-            <a:pPr algn="ctr"/>
-            <a:r>
-              <a:rPr lang="es-ES" sz="6000" b="1" dirty="0"/>
-              <a:t>FIN</a:t>
-            </a:r>
-            <a:endParaRPr lang="es-CL" sz="6000" b="1" dirty="0"/>
-          </a:p>
-        </p:txBody>
-      </p:sp>
-    </p:spTree>
-    <p:extLst>
-      <p:ext uri="{BB962C8B-B14F-4D97-AF65-F5344CB8AC3E}">
-        <p14:creationId xmlns:p14="http://schemas.microsoft.com/office/powerpoint/2010/main" val="2782102548"/>
-      </p:ext>
-    </p:extLst>
-  </p:cSld>
-  <p:clrMapOvr>
-    <a:masterClrMapping/>
-  </p:clrMapOvr>
-</p:sld>
-</file>
-
-<file path=ppt/slides/slide2.xml><?xml version="1.0" encoding="utf-8"?>
-<p:sld xmlns:a="http://schemas.openxmlformats.org/drawingml/2006/main" xmlns:r="http://schemas.openxmlformats.org/officeDocument/2006/relationships" xmlns:p="http://schemas.openxmlformats.org/presentationml/2006/main">
-  <p:cSld>
-    <p:spTree>
-      <p:nvGrpSpPr>
-        <p:cNvPr id="1" name=""/>
-        <p:cNvGrpSpPr/>
-        <p:nvPr/>
-      </p:nvGrpSpPr>
-      <p:grpSpPr>
-        <a:xfrm>
-          <a:off x="0" y="0"/>
-          <a:ext cx="0" cy="0"/>
-          <a:chOff x="0" y="0"/>
-          <a:chExt cx="0" cy="0"/>
-        </a:xfrm>
-      </p:grpSpPr>
-      <p:sp>
-        <p:nvSpPr>
-          <p:cNvPr id="11" name="CuadroTexto 10">
-            <a:extLst>
-              <a:ext uri="{FF2B5EF4-FFF2-40B4-BE49-F238E27FC236}">
-                <a16:creationId xmlns:a16="http://schemas.microsoft.com/office/drawing/2014/main" id="{C5BFD08D-01B9-4F9D-A5D2-D99F14328EE4}"/>
-              </a:ext>
-            </a:extLst>
-          </p:cNvPr>
-          <p:cNvSpPr txBox="1"/>
-          <p:nvPr/>
-        </p:nvSpPr>
-        <p:spPr>
-          <a:xfrm>
-            <a:off x="467544" y="1196752"/>
-            <a:ext cx="7560840" cy="1015663"/>
-          </a:xfrm>
-          <a:prstGeom prst="rect">
-            <a:avLst/>
-          </a:prstGeom>
-          <a:noFill/>
-        </p:spPr>
-        <p:txBody>
-          <a:bodyPr wrap="square">
-            <a:spAutoFit/>
-          </a:bodyPr>
-          <a:lstStyle/>
-          <a:p>
-            <a:pPr algn="ctr"/>
-            <a:r>
-              <a:rPr lang="es-ES" sz="6000" b="1" dirty="0"/>
-              <a:t>Introducción</a:t>
-            </a:r>
-            <a:endParaRPr lang="es-CL" sz="6000" b="1" dirty="0"/>
-          </a:p>
-        </p:txBody>
-      </p:sp>
-      <p:pic>
-        <p:nvPicPr>
-          <p:cNvPr id="2050" name="Picture 2" descr="Como potenciar tu Carnicería">
-            <a:extLst>
-              <a:ext uri="{FF2B5EF4-FFF2-40B4-BE49-F238E27FC236}">
-                <a16:creationId xmlns:a16="http://schemas.microsoft.com/office/drawing/2014/main" id="{29A3652A-E8F3-41E5-A5AC-177953C8EC65}"/>
-              </a:ext>
-            </a:extLst>
-          </p:cNvPr>
-          <p:cNvPicPr>
-            <a:picLocks noChangeAspect="1" noChangeArrowheads="1"/>
-          </p:cNvPicPr>
-          <p:nvPr/>
-        </p:nvPicPr>
-        <p:blipFill>
-          <a:blip r:embed="rId2">
-            <a:extLst>
-              <a:ext uri="{28A0092B-C50C-407E-A947-70E740481C1C}">
-                <a14:useLocalDpi xmlns:a14="http://schemas.microsoft.com/office/drawing/2010/main" val="0"/>
-              </a:ext>
-            </a:extLst>
-          </a:blip>
-          <a:srcRect/>
-          <a:stretch>
-            <a:fillRect/>
-          </a:stretch>
-        </p:blipFill>
-        <p:spPr bwMode="auto">
-          <a:xfrm>
-            <a:off x="1547664" y="2276872"/>
-            <a:ext cx="5672042" cy="3176344"/>
-          </a:xfrm>
-          <a:prstGeom prst="rect">
-            <a:avLst/>
-          </a:prstGeom>
-          <a:noFill/>
-          <a:extLst>
-            <a:ext uri="{909E8E84-426E-40DD-AFC4-6F175D3DCCD1}">
-              <a14:hiddenFill xmlns:a14="http://schemas.microsoft.com/office/drawing/2010/main">
-                <a:solidFill>
-                  <a:srgbClr val="FFFFFF"/>
-                </a:solidFill>
-              </a14:hiddenFill>
-            </a:ext>
-          </a:extLst>
-        </p:spPr>
-      </p:pic>
-    </p:spTree>
-    <p:extLst>
-      <p:ext uri="{BB962C8B-B14F-4D97-AF65-F5344CB8AC3E}">
-        <p14:creationId xmlns:p14="http://schemas.microsoft.com/office/powerpoint/2010/main" val="1011084350"/>
-      </p:ext>
-    </p:extLst>
-  </p:cSld>
-  <p:clrMapOvr>
-    <a:masterClrMapping/>
-  </p:clrMapOvr>
-</p:sld>
-</file>
-
-<file path=ppt/slides/slide3.xml><?xml version="1.0" encoding="utf-8"?>
-<p:sld xmlns:a="http://schemas.openxmlformats.org/drawingml/2006/main" xmlns:r="http://schemas.openxmlformats.org/officeDocument/2006/relationships" xmlns:p="http://schemas.openxmlformats.org/presentationml/2006/main">
-  <p:cSld>
-    <p:spTree>
-      <p:nvGrpSpPr>
-        <p:cNvPr id="1" name=""/>
-        <p:cNvGrpSpPr/>
-        <p:nvPr/>
-      </p:nvGrpSpPr>
-      <p:grpSpPr>
-        <a:xfrm>
-          <a:off x="0" y="0"/>
-          <a:ext cx="0" cy="0"/>
-          <a:chOff x="0" y="0"/>
-          <a:chExt cx="0" cy="0"/>
-        </a:xfrm>
-      </p:grpSpPr>
-      <p:sp>
-        <p:nvSpPr>
-          <p:cNvPr id="7" name="CuadroTexto 6">
-            <a:extLst>
-              <a:ext uri="{FF2B5EF4-FFF2-40B4-BE49-F238E27FC236}">
-                <a16:creationId xmlns:a16="http://schemas.microsoft.com/office/drawing/2014/main" id="{5783D7D8-E585-4975-8440-6379EA6979FD}"/>
-              </a:ext>
-            </a:extLst>
-          </p:cNvPr>
-          <p:cNvSpPr txBox="1"/>
-          <p:nvPr/>
-        </p:nvSpPr>
-        <p:spPr>
-          <a:xfrm>
-            <a:off x="179512" y="908720"/>
-            <a:ext cx="8496944" cy="4144340"/>
-          </a:xfrm>
-          <a:prstGeom prst="rect">
-            <a:avLst/>
-          </a:prstGeom>
-          <a:noFill/>
-        </p:spPr>
-        <p:txBody>
-          <a:bodyPr wrap="square">
-            <a:spAutoFit/>
-          </a:bodyPr>
-          <a:lstStyle/>
-          <a:p>
-            <a:pPr indent="449580">
-              <a:lnSpc>
-                <a:spcPct val="107000"/>
-              </a:lnSpc>
-              <a:spcAft>
-                <a:spcPts val="800"/>
-              </a:spcAft>
-            </a:pPr>
-            <a:r>
-              <a:rPr lang="es-CL" sz="2400" dirty="0">
-                <a:effectLst/>
-                <a:latin typeface="Calibri" panose="020F0502020204030204" pitchFamily="34" charset="0"/>
-                <a:ea typeface="Calibri" panose="020F0502020204030204" pitchFamily="34" charset="0"/>
-                <a:cs typeface="Times New Roman" panose="02020603050405020304" pitchFamily="18" charset="0"/>
-              </a:rPr>
-              <a:t>A continuación, se presentaran los detalles de los software con que se realizo en proyecto de la carnicería Tía Carmen.</a:t>
-            </a:r>
-          </a:p>
-          <a:p>
-            <a:pPr indent="449580">
-              <a:lnSpc>
-                <a:spcPct val="107000"/>
-              </a:lnSpc>
-              <a:spcAft>
-                <a:spcPts val="800"/>
-              </a:spcAft>
-            </a:pPr>
-            <a:r>
-              <a:rPr lang="es-CL" sz="2400" dirty="0">
-                <a:effectLst/>
-                <a:latin typeface="Calibri" panose="020F0502020204030204" pitchFamily="34" charset="0"/>
-                <a:ea typeface="Calibri" panose="020F0502020204030204" pitchFamily="34" charset="0"/>
-                <a:cs typeface="Times New Roman" panose="02020603050405020304" pitchFamily="18" charset="0"/>
-              </a:rPr>
-              <a:t>Front: Angular 12 con ionic.</a:t>
-            </a:r>
-          </a:p>
-          <a:p>
-            <a:pPr indent="449580">
-              <a:lnSpc>
-                <a:spcPct val="107000"/>
-              </a:lnSpc>
-              <a:spcAft>
-                <a:spcPts val="800"/>
-              </a:spcAft>
-            </a:pPr>
-            <a:r>
-              <a:rPr lang="es-CL" sz="2400" dirty="0">
-                <a:effectLst/>
-                <a:latin typeface="Calibri" panose="020F0502020204030204" pitchFamily="34" charset="0"/>
-                <a:ea typeface="Calibri" panose="020F0502020204030204" pitchFamily="34" charset="0"/>
-                <a:cs typeface="Times New Roman" panose="02020603050405020304" pitchFamily="18" charset="0"/>
-              </a:rPr>
-              <a:t>Base de Datos: Oracle 11G.</a:t>
-            </a:r>
-          </a:p>
-          <a:p>
-            <a:pPr indent="449580">
-              <a:lnSpc>
-                <a:spcPct val="107000"/>
-              </a:lnSpc>
-              <a:spcAft>
-                <a:spcPts val="800"/>
-              </a:spcAft>
-            </a:pPr>
-            <a:r>
-              <a:rPr lang="es-CL" sz="2400" dirty="0">
-                <a:effectLst/>
-                <a:latin typeface="Calibri" panose="020F0502020204030204" pitchFamily="34" charset="0"/>
-                <a:ea typeface="Calibri" panose="020F0502020204030204" pitchFamily="34" charset="0"/>
-                <a:cs typeface="Times New Roman" panose="02020603050405020304" pitchFamily="18" charset="0"/>
-              </a:rPr>
-              <a:t>Back: Sprint con JPA, IDE SpringToolSuite4, consideración debe tener correctamente configurado lombok en el IDE, se adjunta página de referencia.</a:t>
-            </a:r>
-          </a:p>
-          <a:p>
-            <a:pPr indent="449580">
-              <a:lnSpc>
-                <a:spcPct val="107000"/>
-              </a:lnSpc>
-              <a:spcAft>
-                <a:spcPts val="800"/>
-              </a:spcAft>
-            </a:pPr>
-            <a:endParaRPr lang="es-CL" sz="2400" dirty="0">
-              <a:effectLst/>
-              <a:latin typeface="Calibri" panose="020F0502020204030204" pitchFamily="34" charset="0"/>
-              <a:ea typeface="Calibri" panose="020F0502020204030204" pitchFamily="34" charset="0"/>
-              <a:cs typeface="Times New Roman" panose="02020603050405020304" pitchFamily="18" charset="0"/>
-            </a:endParaRPr>
-          </a:p>
-          <a:p>
-            <a:pPr indent="449580">
-              <a:lnSpc>
-                <a:spcPct val="107000"/>
-              </a:lnSpc>
-              <a:spcAft>
-                <a:spcPts val="800"/>
-              </a:spcAft>
-            </a:pPr>
-            <a:r>
-              <a:rPr lang="es-CL" sz="2400" u="sng" dirty="0">
-                <a:effectLst/>
-                <a:latin typeface="Calibri" panose="020F0502020204030204" pitchFamily="34" charset="0"/>
-                <a:ea typeface="Calibri" panose="020F0502020204030204" pitchFamily="34" charset="0"/>
-                <a:cs typeface="Times New Roman" panose="02020603050405020304" pitchFamily="18" charset="0"/>
-                <a:hlinkClick r:id="rId2">
-                  <a:extLst>
-                    <a:ext uri="{A12FA001-AC4F-418D-AE19-62706E023703}">
-                      <ahyp:hlinkClr xmlns:ahyp="http://schemas.microsoft.com/office/drawing/2018/hyperlinkcolor" val="tx"/>
-                    </a:ext>
-                  </a:extLst>
-                </a:hlinkClick>
-              </a:rPr>
-              <a:t>https://projectlombok.org/download</a:t>
-            </a:r>
-            <a:endParaRPr lang="es-CL" sz="2400" dirty="0">
-              <a:effectLst/>
-              <a:latin typeface="Calibri" panose="020F0502020204030204" pitchFamily="34" charset="0"/>
-              <a:ea typeface="Calibri" panose="020F0502020204030204" pitchFamily="34" charset="0"/>
-              <a:cs typeface="Times New Roman" panose="02020603050405020304" pitchFamily="18" charset="0"/>
-            </a:endParaRPr>
-          </a:p>
-        </p:txBody>
-      </p:sp>
-    </p:spTree>
-    <p:extLst>
-      <p:ext uri="{BB962C8B-B14F-4D97-AF65-F5344CB8AC3E}">
-        <p14:creationId xmlns:p14="http://schemas.microsoft.com/office/powerpoint/2010/main" val="459212641"/>
-      </p:ext>
-    </p:extLst>
-  </p:cSld>
-  <p:clrMapOvr>
-    <a:masterClrMapping/>
-  </p:clrMapOvr>
-</p:sld>
-</file>
-
-<file path=ppt/slides/slide4.xml><?xml version="1.0" encoding="utf-8"?>
-<p:sld xmlns:a="http://schemas.openxmlformats.org/drawingml/2006/main" xmlns:r="http://schemas.openxmlformats.org/officeDocument/2006/relationships" xmlns:p="http://schemas.openxmlformats.org/presentationml/2006/main">
-  <p:cSld>
-    <p:spTree>
-      <p:nvGrpSpPr>
-        <p:cNvPr id="1" name=""/>
-        <p:cNvGrpSpPr/>
-        <p:nvPr/>
-      </p:nvGrpSpPr>
-      <p:grpSpPr>
-        <a:xfrm>
-          <a:off x="0" y="0"/>
-          <a:ext cx="0" cy="0"/>
-          <a:chOff x="0" y="0"/>
-          <a:chExt cx="0" cy="0"/>
-        </a:xfrm>
-      </p:grpSpPr>
-      <p:sp>
-        <p:nvSpPr>
-          <p:cNvPr id="3" name="CuadroTexto 2">
-            <a:extLst>
-              <a:ext uri="{FF2B5EF4-FFF2-40B4-BE49-F238E27FC236}">
-                <a16:creationId xmlns:a16="http://schemas.microsoft.com/office/drawing/2014/main" id="{6F13D860-74D4-4701-9ED6-66B5D2AAC256}"/>
-              </a:ext>
-            </a:extLst>
-          </p:cNvPr>
-          <p:cNvSpPr txBox="1"/>
-          <p:nvPr/>
-        </p:nvSpPr>
-        <p:spPr>
-          <a:xfrm>
-            <a:off x="395536" y="836712"/>
-            <a:ext cx="8064896" cy="4642105"/>
-          </a:xfrm>
-          <a:prstGeom prst="rect">
-            <a:avLst/>
-          </a:prstGeom>
-          <a:noFill/>
-        </p:spPr>
-        <p:txBody>
-          <a:bodyPr wrap="square">
-            <a:spAutoFit/>
-          </a:bodyPr>
-          <a:lstStyle/>
-          <a:p>
-            <a:pPr indent="449580">
-              <a:lnSpc>
-                <a:spcPct val="107000"/>
-              </a:lnSpc>
-              <a:spcAft>
-                <a:spcPts val="800"/>
-              </a:spcAft>
-            </a:pPr>
-            <a:r>
-              <a:rPr lang="es-CL" sz="2400" dirty="0">
-                <a:effectLst/>
-                <a:latin typeface="Calibri" panose="020F0502020204030204" pitchFamily="34" charset="0"/>
-                <a:ea typeface="Calibri" panose="020F0502020204030204" pitchFamily="34" charset="0"/>
-                <a:cs typeface="Times New Roman" panose="02020603050405020304" pitchFamily="18" charset="0"/>
-              </a:rPr>
-              <a:t>Repositorio GIT:</a:t>
-            </a:r>
-          </a:p>
-          <a:p>
-            <a:pPr indent="449580">
-              <a:lnSpc>
-                <a:spcPct val="107000"/>
-              </a:lnSpc>
-              <a:spcAft>
-                <a:spcPts val="800"/>
-              </a:spcAft>
-            </a:pPr>
-            <a:endParaRPr lang="es-CL" dirty="0">
-              <a:latin typeface="Calibri" panose="020F0502020204030204" pitchFamily="34" charset="0"/>
-              <a:ea typeface="Calibri" panose="020F0502020204030204" pitchFamily="34" charset="0"/>
-              <a:cs typeface="Times New Roman" panose="02020603050405020304" pitchFamily="18" charset="0"/>
-            </a:endParaRPr>
-          </a:p>
-          <a:p>
-            <a:pPr marL="342900" indent="-342900">
-              <a:lnSpc>
-                <a:spcPct val="107000"/>
-              </a:lnSpc>
-              <a:spcAft>
-                <a:spcPts val="800"/>
-              </a:spcAft>
-              <a:buFont typeface="Arial" panose="020B0604020202020204" pitchFamily="34" charset="0"/>
-              <a:buChar char="•"/>
-            </a:pPr>
-            <a:r>
-              <a:rPr lang="es-CL" sz="2400" dirty="0">
-                <a:effectLst/>
-                <a:latin typeface="Calibri" panose="020F0502020204030204" pitchFamily="34" charset="0"/>
-                <a:ea typeface="Calibri" panose="020F0502020204030204" pitchFamily="34" charset="0"/>
-                <a:cs typeface="Times New Roman" panose="02020603050405020304" pitchFamily="18" charset="0"/>
-              </a:rPr>
-              <a:t> </a:t>
-            </a:r>
-            <a:r>
-              <a:rPr lang="es-CL" sz="2400" b="1" u="sng" dirty="0">
-                <a:effectLst/>
-                <a:latin typeface="Calibri" panose="020F0502020204030204" pitchFamily="34" charset="0"/>
-                <a:ea typeface="Calibri" panose="020F0502020204030204" pitchFamily="34" charset="0"/>
-                <a:cs typeface="Times New Roman" panose="02020603050405020304" pitchFamily="18" charset="0"/>
-                <a:hlinkClick r:id="rId2">
-                  <a:extLst>
-                    <a:ext uri="{A12FA001-AC4F-418D-AE19-62706E023703}">
-                      <ahyp:hlinkClr xmlns:ahyp="http://schemas.microsoft.com/office/drawing/2018/hyperlinkcolor" val="tx"/>
-                    </a:ext>
-                  </a:extLst>
-                </a:hlinkClick>
-              </a:rPr>
-              <a:t>https://github.com/ManuelMarinRodriguez/TiaCarmen</a:t>
-            </a:r>
-            <a:endParaRPr lang="es-CL" sz="2400" b="1" dirty="0">
-              <a:effectLst/>
-              <a:latin typeface="Calibri" panose="020F0502020204030204" pitchFamily="34" charset="0"/>
-              <a:ea typeface="Calibri" panose="020F0502020204030204" pitchFamily="34" charset="0"/>
-              <a:cs typeface="Times New Roman" panose="02020603050405020304" pitchFamily="18" charset="0"/>
-            </a:endParaRPr>
-          </a:p>
-          <a:p>
-            <a:pPr indent="449580">
-              <a:lnSpc>
-                <a:spcPct val="107000"/>
-              </a:lnSpc>
-              <a:spcAft>
-                <a:spcPts val="800"/>
-              </a:spcAft>
-            </a:pPr>
-            <a:r>
-              <a:rPr lang="es-CL" sz="2400" dirty="0">
-                <a:effectLst/>
-                <a:latin typeface="Calibri" panose="020F0502020204030204" pitchFamily="34" charset="0"/>
-                <a:ea typeface="Calibri" panose="020F0502020204030204" pitchFamily="34" charset="0"/>
-                <a:cs typeface="Times New Roman" panose="02020603050405020304" pitchFamily="18" charset="0"/>
-              </a:rPr>
-              <a:t> </a:t>
-            </a:r>
-          </a:p>
-          <a:p>
-            <a:pPr indent="449580">
-              <a:lnSpc>
-                <a:spcPct val="107000"/>
-              </a:lnSpc>
-              <a:spcAft>
-                <a:spcPts val="800"/>
-              </a:spcAft>
-            </a:pPr>
-            <a:r>
-              <a:rPr lang="es-CL" sz="2400" dirty="0">
-                <a:effectLst/>
-                <a:latin typeface="Calibri" panose="020F0502020204030204" pitchFamily="34" charset="0"/>
-                <a:ea typeface="Calibri" panose="020F0502020204030204" pitchFamily="34" charset="0"/>
-                <a:cs typeface="Times New Roman" panose="02020603050405020304" pitchFamily="18" charset="0"/>
-              </a:rPr>
-              <a:t> </a:t>
-            </a:r>
-          </a:p>
-          <a:p>
-            <a:pPr>
-              <a:lnSpc>
-                <a:spcPct val="107000"/>
-              </a:lnSpc>
-              <a:spcAft>
-                <a:spcPts val="800"/>
-              </a:spcAft>
-            </a:pPr>
-            <a:r>
-              <a:rPr lang="es-CL" sz="2400" dirty="0">
-                <a:effectLst/>
-                <a:latin typeface="Calibri" panose="020F0502020204030204" pitchFamily="34" charset="0"/>
-                <a:ea typeface="Calibri" panose="020F0502020204030204" pitchFamily="34" charset="0"/>
-                <a:cs typeface="Times New Roman" panose="02020603050405020304" pitchFamily="18" charset="0"/>
-              </a:rPr>
-              <a:t>Puertos de los MS: </a:t>
-            </a:r>
-          </a:p>
-          <a:p>
-            <a:pPr marL="342900" lvl="0" indent="-342900">
-              <a:lnSpc>
-                <a:spcPct val="107000"/>
-              </a:lnSpc>
-              <a:buFont typeface="Symbol" panose="05050102010706020507" pitchFamily="18" charset="2"/>
-              <a:buChar char=""/>
-            </a:pPr>
-            <a:r>
-              <a:rPr lang="es-CL" dirty="0">
-                <a:latin typeface="Calibri" panose="020F0502020204030204" pitchFamily="34" charset="0"/>
-                <a:cs typeface="Times New Roman" panose="02020603050405020304" pitchFamily="18" charset="0"/>
-              </a:rPr>
-              <a:t>Clientes, puerto 8024.</a:t>
-            </a:r>
-          </a:p>
-          <a:p>
-            <a:pPr marL="342900" lvl="0" indent="-342900">
-              <a:lnSpc>
-                <a:spcPct val="107000"/>
-              </a:lnSpc>
-              <a:buFont typeface="Symbol" panose="05050102010706020507" pitchFamily="18" charset="2"/>
-              <a:buChar char=""/>
-            </a:pPr>
-            <a:r>
-              <a:rPr lang="es-CL" sz="2400" dirty="0">
-                <a:effectLst/>
-                <a:latin typeface="Calibri" panose="020F0502020204030204" pitchFamily="34" charset="0"/>
-                <a:ea typeface="Calibri" panose="020F0502020204030204" pitchFamily="34" charset="0"/>
-                <a:cs typeface="Times New Roman" panose="02020603050405020304" pitchFamily="18" charset="0"/>
-              </a:rPr>
-              <a:t>Voucher, puerto 8025.</a:t>
-            </a:r>
-          </a:p>
-          <a:p>
-            <a:pPr marL="342900" lvl="0" indent="-342900">
-              <a:lnSpc>
-                <a:spcPct val="107000"/>
-              </a:lnSpc>
-              <a:buFont typeface="Symbol" panose="05050102010706020507" pitchFamily="18" charset="2"/>
-              <a:buChar char=""/>
-            </a:pPr>
-            <a:r>
-              <a:rPr lang="es-CL" sz="2400" dirty="0">
-                <a:effectLst/>
-                <a:latin typeface="Calibri" panose="020F0502020204030204" pitchFamily="34" charset="0"/>
-                <a:ea typeface="Calibri" panose="020F0502020204030204" pitchFamily="34" charset="0"/>
-                <a:cs typeface="Times New Roman" panose="02020603050405020304" pitchFamily="18" charset="0"/>
-              </a:rPr>
-              <a:t>Producto, puerto 8026.</a:t>
-            </a:r>
-          </a:p>
-          <a:p>
-            <a:pPr marL="342900" lvl="0" indent="-342900">
-              <a:lnSpc>
-                <a:spcPct val="107000"/>
-              </a:lnSpc>
-              <a:spcAft>
-                <a:spcPts val="800"/>
-              </a:spcAft>
-              <a:buFont typeface="Symbol" panose="05050102010706020507" pitchFamily="18" charset="2"/>
-              <a:buChar char=""/>
-            </a:pPr>
-            <a:r>
-              <a:rPr lang="es-CL" sz="2400" dirty="0">
-                <a:effectLst/>
-                <a:latin typeface="Calibri" panose="020F0502020204030204" pitchFamily="34" charset="0"/>
-                <a:ea typeface="Calibri" panose="020F0502020204030204" pitchFamily="34" charset="0"/>
-                <a:cs typeface="Times New Roman" panose="02020603050405020304" pitchFamily="18" charset="0"/>
-              </a:rPr>
-              <a:t>Venta, puerto 8027.</a:t>
-            </a:r>
-          </a:p>
-        </p:txBody>
-      </p:sp>
-    </p:spTree>
-    <p:extLst>
-      <p:ext uri="{BB962C8B-B14F-4D97-AF65-F5344CB8AC3E}">
-        <p14:creationId xmlns:p14="http://schemas.microsoft.com/office/powerpoint/2010/main" val="3638841080"/>
-      </p:ext>
-    </p:extLst>
-  </p:cSld>
-  <p:clrMapOvr>
-    <a:masterClrMapping/>
-  </p:clrMapOvr>
-</p:sld>
-</file>
-
-<file path=ppt/slides/slide5.xml><?xml version="1.0" encoding="utf-8"?>
-<p:sld xmlns:a="http://schemas.openxmlformats.org/drawingml/2006/main" xmlns:r="http://schemas.openxmlformats.org/officeDocument/2006/relationships" xmlns:p="http://schemas.openxmlformats.org/presentationml/2006/main">
-  <p:cSld>
-    <p:spTree>
-      <p:nvGrpSpPr>
-        <p:cNvPr id="1" name=""/>
-        <p:cNvGrpSpPr/>
-        <p:nvPr/>
-      </p:nvGrpSpPr>
-      <p:grpSpPr>
-        <a:xfrm>
-          <a:off x="0" y="0"/>
-          <a:ext cx="0" cy="0"/>
-          <a:chOff x="0" y="0"/>
-          <a:chExt cx="0" cy="0"/>
-        </a:xfrm>
-      </p:grpSpPr>
-      <p:sp>
-        <p:nvSpPr>
           <p:cNvPr id="2" name="Rectangle 2">
             <a:extLst>
               <a:ext uri="{FF2B5EF4-FFF2-40B4-BE49-F238E27FC236}">
@@ -7325,7 +5721,7 @@
 </p:sld>
 </file>
 
-<file path=ppt/slides/slide6.xml><?xml version="1.0" encoding="utf-8"?>
+<file path=ppt/slides/slide11.xml><?xml version="1.0" encoding="utf-8"?>
 <p:sld xmlns:a="http://schemas.openxmlformats.org/drawingml/2006/main" xmlns:r="http://schemas.openxmlformats.org/officeDocument/2006/relationships" xmlns:p="http://schemas.openxmlformats.org/presentationml/2006/main">
   <p:cSld>
     <p:spTree>
@@ -7720,6 +6116,1667 @@
 </p:sld>
 </file>
 
+<file path=ppt/slides/slide12.xml><?xml version="1.0" encoding="utf-8"?>
+<p:sld xmlns:a="http://schemas.openxmlformats.org/drawingml/2006/main" xmlns:r="http://schemas.openxmlformats.org/officeDocument/2006/relationships" xmlns:p="http://schemas.openxmlformats.org/presentationml/2006/main">
+  <p:cSld>
+    <p:spTree>
+      <p:nvGrpSpPr>
+        <p:cNvPr id="1" name=""/>
+        <p:cNvGrpSpPr/>
+        <p:nvPr/>
+      </p:nvGrpSpPr>
+      <p:grpSpPr>
+        <a:xfrm>
+          <a:off x="0" y="0"/>
+          <a:ext cx="0" cy="0"/>
+          <a:chOff x="0" y="0"/>
+          <a:chExt cx="0" cy="0"/>
+        </a:xfrm>
+      </p:grpSpPr>
+      <p:sp>
+        <p:nvSpPr>
+          <p:cNvPr id="3" name="CuadroTexto 2">
+            <a:extLst>
+              <a:ext uri="{FF2B5EF4-FFF2-40B4-BE49-F238E27FC236}">
+                <a16:creationId xmlns:a16="http://schemas.microsoft.com/office/drawing/2014/main" id="{58CC84EE-54E7-4C7B-8941-FBA6AFF6A384}"/>
+              </a:ext>
+            </a:extLst>
+          </p:cNvPr>
+          <p:cNvSpPr txBox="1"/>
+          <p:nvPr/>
+        </p:nvSpPr>
+        <p:spPr>
+          <a:xfrm>
+            <a:off x="251520" y="980728"/>
+            <a:ext cx="8280920" cy="1465529"/>
+          </a:xfrm>
+          <a:prstGeom prst="rect">
+            <a:avLst/>
+          </a:prstGeom>
+          <a:noFill/>
+        </p:spPr>
+        <p:txBody>
+          <a:bodyPr wrap="square">
+            <a:spAutoFit/>
+          </a:bodyPr>
+          <a:lstStyle/>
+          <a:p>
+            <a:pPr>
+              <a:lnSpc>
+                <a:spcPct val="107000"/>
+              </a:lnSpc>
+              <a:spcAft>
+                <a:spcPts val="800"/>
+              </a:spcAft>
+            </a:pPr>
+            <a:r>
+              <a:rPr lang="es-CL" dirty="0">
+                <a:effectLst/>
+                <a:latin typeface="Calibri" panose="020F0502020204030204" pitchFamily="34" charset="0"/>
+                <a:ea typeface="Calibri" panose="020F0502020204030204" pitchFamily="34" charset="0"/>
+                <a:cs typeface="Calibri" panose="020F0502020204030204" pitchFamily="34" charset="0"/>
+              </a:rPr>
+              <a:t>Venta, puerto 8027.</a:t>
+            </a:r>
+          </a:p>
+          <a:p>
+            <a:pPr>
+              <a:lnSpc>
+                <a:spcPct val="107000"/>
+              </a:lnSpc>
+              <a:spcAft>
+                <a:spcPts val="800"/>
+              </a:spcAft>
+            </a:pPr>
+            <a:r>
+              <a:rPr lang="es-CL" dirty="0">
+                <a:effectLst/>
+                <a:latin typeface="Calibri" panose="020F0502020204030204" pitchFamily="34" charset="0"/>
+                <a:ea typeface="Calibri" panose="020F0502020204030204" pitchFamily="34" charset="0"/>
+                <a:cs typeface="Calibri" panose="020F0502020204030204" pitchFamily="34" charset="0"/>
+              </a:rPr>
+              <a:t>Microservicio para poder pagar Boletas en estado impaga.</a:t>
+            </a:r>
+          </a:p>
+          <a:p>
+            <a:pPr>
+              <a:lnSpc>
+                <a:spcPct val="107000"/>
+              </a:lnSpc>
+              <a:spcAft>
+                <a:spcPts val="800"/>
+              </a:spcAft>
+            </a:pPr>
+            <a:r>
+              <a:rPr lang="es-CL" u="sng" dirty="0">
+                <a:effectLst/>
+                <a:latin typeface="Calibri" panose="020F0502020204030204" pitchFamily="34" charset="0"/>
+                <a:ea typeface="Calibri" panose="020F0502020204030204" pitchFamily="34" charset="0"/>
+                <a:cs typeface="Calibri" panose="020F0502020204030204" pitchFamily="34" charset="0"/>
+                <a:hlinkClick r:id="rId2">
+                  <a:extLst>
+                    <a:ext uri="{A12FA001-AC4F-418D-AE19-62706E023703}">
+                      <ahyp:hlinkClr xmlns:ahyp="http://schemas.microsoft.com/office/drawing/2018/hyperlinkcolor" val="tx"/>
+                    </a:ext>
+                  </a:extLst>
+                </a:hlinkClick>
+              </a:rPr>
+              <a:t>http://localhost:8027/pagarBoleta</a:t>
+            </a:r>
+            <a:endParaRPr lang="es-CL" dirty="0">
+              <a:effectLst/>
+              <a:latin typeface="Calibri" panose="020F0502020204030204" pitchFamily="34" charset="0"/>
+              <a:ea typeface="Calibri" panose="020F0502020204030204" pitchFamily="34" charset="0"/>
+              <a:cs typeface="Calibri" panose="020F0502020204030204" pitchFamily="34" charset="0"/>
+            </a:endParaRPr>
+          </a:p>
+        </p:txBody>
+      </p:sp>
+      <p:pic>
+        <p:nvPicPr>
+          <p:cNvPr id="4" name="Imagen 3">
+            <a:extLst>
+              <a:ext uri="{FF2B5EF4-FFF2-40B4-BE49-F238E27FC236}">
+                <a16:creationId xmlns:a16="http://schemas.microsoft.com/office/drawing/2014/main" id="{CC3D40E3-EF9D-4FE0-A488-FFCBB67A96BC}"/>
+              </a:ext>
+            </a:extLst>
+          </p:cNvPr>
+          <p:cNvPicPr/>
+          <p:nvPr/>
+        </p:nvPicPr>
+        <p:blipFill>
+          <a:blip r:embed="rId3"/>
+          <a:stretch>
+            <a:fillRect/>
+          </a:stretch>
+        </p:blipFill>
+        <p:spPr>
+          <a:xfrm>
+            <a:off x="1835696" y="2564904"/>
+            <a:ext cx="4290839" cy="3503023"/>
+          </a:xfrm>
+          <a:prstGeom prst="rect">
+            <a:avLst/>
+          </a:prstGeom>
+        </p:spPr>
+      </p:pic>
+    </p:spTree>
+    <p:extLst>
+      <p:ext uri="{BB962C8B-B14F-4D97-AF65-F5344CB8AC3E}">
+        <p14:creationId xmlns:p14="http://schemas.microsoft.com/office/powerpoint/2010/main" val="2410838819"/>
+      </p:ext>
+    </p:extLst>
+  </p:cSld>
+  <p:clrMapOvr>
+    <a:masterClrMapping/>
+  </p:clrMapOvr>
+</p:sld>
+</file>
+
+<file path=ppt/slides/slide13.xml><?xml version="1.0" encoding="utf-8"?>
+<p:sld xmlns:a="http://schemas.openxmlformats.org/drawingml/2006/main" xmlns:r="http://schemas.openxmlformats.org/officeDocument/2006/relationships" xmlns:p="http://schemas.openxmlformats.org/presentationml/2006/main">
+  <p:cSld>
+    <p:spTree>
+      <p:nvGrpSpPr>
+        <p:cNvPr id="1" name=""/>
+        <p:cNvGrpSpPr/>
+        <p:nvPr/>
+      </p:nvGrpSpPr>
+      <p:grpSpPr>
+        <a:xfrm>
+          <a:off x="0" y="0"/>
+          <a:ext cx="0" cy="0"/>
+          <a:chOff x="0" y="0"/>
+          <a:chExt cx="0" cy="0"/>
+        </a:xfrm>
+      </p:grpSpPr>
+      <p:sp>
+        <p:nvSpPr>
+          <p:cNvPr id="2" name="CuadroTexto 1">
+            <a:extLst>
+              <a:ext uri="{FF2B5EF4-FFF2-40B4-BE49-F238E27FC236}">
+                <a16:creationId xmlns:a16="http://schemas.microsoft.com/office/drawing/2014/main" id="{C59B9D60-2B50-4A85-B247-4756447B0223}"/>
+              </a:ext>
+            </a:extLst>
+          </p:cNvPr>
+          <p:cNvSpPr txBox="1"/>
+          <p:nvPr/>
+        </p:nvSpPr>
+        <p:spPr>
+          <a:xfrm>
+            <a:off x="467544" y="2421295"/>
+            <a:ext cx="7560840" cy="1015663"/>
+          </a:xfrm>
+          <a:prstGeom prst="rect">
+            <a:avLst/>
+          </a:prstGeom>
+          <a:noFill/>
+        </p:spPr>
+        <p:txBody>
+          <a:bodyPr wrap="square">
+            <a:spAutoFit/>
+          </a:bodyPr>
+          <a:lstStyle/>
+          <a:p>
+            <a:pPr algn="ctr"/>
+            <a:r>
+              <a:rPr lang="es-ES" sz="6000" b="1" dirty="0"/>
+              <a:t>Front Carnicería</a:t>
+            </a:r>
+            <a:endParaRPr lang="es-CL" sz="6000" b="1" dirty="0"/>
+          </a:p>
+        </p:txBody>
+      </p:sp>
+    </p:spTree>
+    <p:extLst>
+      <p:ext uri="{BB962C8B-B14F-4D97-AF65-F5344CB8AC3E}">
+        <p14:creationId xmlns:p14="http://schemas.microsoft.com/office/powerpoint/2010/main" val="1342737179"/>
+      </p:ext>
+    </p:extLst>
+  </p:cSld>
+  <p:clrMapOvr>
+    <a:masterClrMapping/>
+  </p:clrMapOvr>
+</p:sld>
+</file>
+
+<file path=ppt/slides/slide14.xml><?xml version="1.0" encoding="utf-8"?>
+<p:sld xmlns:a="http://schemas.openxmlformats.org/drawingml/2006/main" xmlns:r="http://schemas.openxmlformats.org/officeDocument/2006/relationships" xmlns:p="http://schemas.openxmlformats.org/presentationml/2006/main">
+  <p:cSld>
+    <p:spTree>
+      <p:nvGrpSpPr>
+        <p:cNvPr id="1" name=""/>
+        <p:cNvGrpSpPr/>
+        <p:nvPr/>
+      </p:nvGrpSpPr>
+      <p:grpSpPr>
+        <a:xfrm>
+          <a:off x="0" y="0"/>
+          <a:ext cx="0" cy="0"/>
+          <a:chOff x="0" y="0"/>
+          <a:chExt cx="0" cy="0"/>
+        </a:xfrm>
+      </p:grpSpPr>
+      <p:sp>
+        <p:nvSpPr>
+          <p:cNvPr id="2" name="Título 1">
+            <a:extLst>
+              <a:ext uri="{FF2B5EF4-FFF2-40B4-BE49-F238E27FC236}">
+                <a16:creationId xmlns:a16="http://schemas.microsoft.com/office/drawing/2014/main" id="{A7842F31-51BE-457C-B765-A7E97E0C1358}"/>
+              </a:ext>
+            </a:extLst>
+          </p:cNvPr>
+          <p:cNvSpPr>
+            <a:spLocks noGrp="1"/>
+          </p:cNvSpPr>
+          <p:nvPr>
+            <p:ph type="title"/>
+          </p:nvPr>
+        </p:nvSpPr>
+        <p:spPr>
+          <a:xfrm>
+            <a:off x="683568" y="1196752"/>
+            <a:ext cx="7086600" cy="685800"/>
+          </a:xfrm>
+        </p:spPr>
+        <p:txBody>
+          <a:bodyPr/>
+          <a:lstStyle/>
+          <a:p>
+            <a:r>
+              <a:rPr lang="es-CL" dirty="0"/>
+              <a:t>Aporte de cada uno de los miembros.</a:t>
+            </a:r>
+          </a:p>
+        </p:txBody>
+      </p:sp>
+      <p:sp>
+        <p:nvSpPr>
+          <p:cNvPr id="4" name="Marcador de pie de página 3">
+            <a:extLst>
+              <a:ext uri="{FF2B5EF4-FFF2-40B4-BE49-F238E27FC236}">
+                <a16:creationId xmlns:a16="http://schemas.microsoft.com/office/drawing/2014/main" id="{A9511669-713A-4613-AFF5-FC420FFFA1CE}"/>
+              </a:ext>
+            </a:extLst>
+          </p:cNvPr>
+          <p:cNvSpPr>
+            <a:spLocks noGrp="1"/>
+          </p:cNvSpPr>
+          <p:nvPr>
+            <p:ph type="ftr" sz="quarter" idx="11"/>
+          </p:nvPr>
+        </p:nvSpPr>
+        <p:spPr/>
+        <p:txBody>
+          <a:bodyPr/>
+          <a:lstStyle/>
+          <a:p>
+            <a:pPr>
+              <a:defRPr/>
+            </a:pPr>
+            <a:r>
+              <a:rPr lang="es-CL"/>
+              <a:t>.::TDSW - Francisco Bórquez::.</a:t>
+            </a:r>
+          </a:p>
+        </p:txBody>
+      </p:sp>
+      <p:sp>
+        <p:nvSpPr>
+          <p:cNvPr id="5" name="Marcador de número de diapositiva 4">
+            <a:extLst>
+              <a:ext uri="{FF2B5EF4-FFF2-40B4-BE49-F238E27FC236}">
+                <a16:creationId xmlns:a16="http://schemas.microsoft.com/office/drawing/2014/main" id="{E1C562D2-E088-4DD8-9CE6-E2EB9DB524CA}"/>
+              </a:ext>
+            </a:extLst>
+          </p:cNvPr>
+          <p:cNvSpPr>
+            <a:spLocks noGrp="1"/>
+          </p:cNvSpPr>
+          <p:nvPr>
+            <p:ph type="sldNum" sz="quarter" idx="12"/>
+          </p:nvPr>
+        </p:nvSpPr>
+        <p:spPr/>
+        <p:txBody>
+          <a:bodyPr/>
+          <a:lstStyle/>
+          <a:p>
+            <a:pPr>
+              <a:defRPr/>
+            </a:pPr>
+            <a:fld id="{C95D82B1-342D-4F2C-AE66-66FAF6C43A6A}" type="slidenum">
+              <a:rPr lang="es-CL" altLang="es-CL" smtClean="0"/>
+              <a:pPr>
+                <a:defRPr/>
+              </a:pPr>
+              <a:t>14</a:t>
+            </a:fld>
+            <a:endParaRPr lang="es-CL" altLang="es-CL"/>
+          </a:p>
+        </p:txBody>
+      </p:sp>
+    </p:spTree>
+    <p:extLst>
+      <p:ext uri="{BB962C8B-B14F-4D97-AF65-F5344CB8AC3E}">
+        <p14:creationId xmlns:p14="http://schemas.microsoft.com/office/powerpoint/2010/main" val="3902624322"/>
+      </p:ext>
+    </p:extLst>
+  </p:cSld>
+  <p:clrMapOvr>
+    <a:masterClrMapping/>
+  </p:clrMapOvr>
+</p:sld>
+</file>
+
+<file path=ppt/slides/slide15.xml><?xml version="1.0" encoding="utf-8"?>
+<p:sld xmlns:a="http://schemas.openxmlformats.org/drawingml/2006/main" xmlns:r="http://schemas.openxmlformats.org/officeDocument/2006/relationships" xmlns:p="http://schemas.openxmlformats.org/presentationml/2006/main">
+  <p:cSld>
+    <p:spTree>
+      <p:nvGrpSpPr>
+        <p:cNvPr id="1" name=""/>
+        <p:cNvGrpSpPr/>
+        <p:nvPr/>
+      </p:nvGrpSpPr>
+      <p:grpSpPr>
+        <a:xfrm>
+          <a:off x="0" y="0"/>
+          <a:ext cx="0" cy="0"/>
+          <a:chOff x="0" y="0"/>
+          <a:chExt cx="0" cy="0"/>
+        </a:xfrm>
+      </p:grpSpPr>
+      <p:sp>
+        <p:nvSpPr>
+          <p:cNvPr id="2" name="CuadroTexto 1">
+            <a:extLst>
+              <a:ext uri="{FF2B5EF4-FFF2-40B4-BE49-F238E27FC236}">
+                <a16:creationId xmlns:a16="http://schemas.microsoft.com/office/drawing/2014/main" id="{C59B9D60-2B50-4A85-B247-4756447B0223}"/>
+              </a:ext>
+            </a:extLst>
+          </p:cNvPr>
+          <p:cNvSpPr txBox="1"/>
+          <p:nvPr/>
+        </p:nvSpPr>
+        <p:spPr>
+          <a:xfrm>
+            <a:off x="467544" y="980728"/>
+            <a:ext cx="7560840" cy="1015663"/>
+          </a:xfrm>
+          <a:prstGeom prst="rect">
+            <a:avLst/>
+          </a:prstGeom>
+          <a:noFill/>
+        </p:spPr>
+        <p:txBody>
+          <a:bodyPr wrap="square">
+            <a:spAutoFit/>
+          </a:bodyPr>
+          <a:lstStyle/>
+          <a:p>
+            <a:pPr algn="ctr"/>
+            <a:r>
+              <a:rPr lang="es-ES" sz="6000" b="1" dirty="0"/>
+              <a:t>Conclusión</a:t>
+            </a:r>
+            <a:endParaRPr lang="es-CL" sz="6000" b="1" dirty="0"/>
+          </a:p>
+        </p:txBody>
+      </p:sp>
+      <p:pic>
+        <p:nvPicPr>
+          <p:cNvPr id="3074" name="Picture 2" descr="África feliz celebración carnicero carne fresca en la carnicería Fotografía  de stock - Alamy">
+            <a:extLst>
+              <a:ext uri="{FF2B5EF4-FFF2-40B4-BE49-F238E27FC236}">
+                <a16:creationId xmlns:a16="http://schemas.microsoft.com/office/drawing/2014/main" id="{EE666342-CCF7-41E9-BF7F-D10C509E7940}"/>
+              </a:ext>
+            </a:extLst>
+          </p:cNvPr>
+          <p:cNvPicPr>
+            <a:picLocks noChangeAspect="1" noChangeArrowheads="1"/>
+          </p:cNvPicPr>
+          <p:nvPr/>
+        </p:nvPicPr>
+        <p:blipFill>
+          <a:blip r:embed="rId2">
+            <a:extLst>
+              <a:ext uri="{28A0092B-C50C-407E-A947-70E740481C1C}">
+                <a14:useLocalDpi xmlns:a14="http://schemas.microsoft.com/office/drawing/2010/main" val="0"/>
+              </a:ext>
+            </a:extLst>
+          </a:blip>
+          <a:srcRect/>
+          <a:stretch>
+            <a:fillRect/>
+          </a:stretch>
+        </p:blipFill>
+        <p:spPr bwMode="auto">
+          <a:xfrm>
+            <a:off x="2267744" y="2204864"/>
+            <a:ext cx="4785168" cy="3506688"/>
+          </a:xfrm>
+          <a:prstGeom prst="rect">
+            <a:avLst/>
+          </a:prstGeom>
+          <a:noFill/>
+          <a:extLst>
+            <a:ext uri="{909E8E84-426E-40DD-AFC4-6F175D3DCCD1}">
+              <a14:hiddenFill xmlns:a14="http://schemas.microsoft.com/office/drawing/2010/main">
+                <a:solidFill>
+                  <a:srgbClr val="FFFFFF"/>
+                </a:solidFill>
+              </a14:hiddenFill>
+            </a:ext>
+          </a:extLst>
+        </p:spPr>
+      </p:pic>
+    </p:spTree>
+    <p:extLst>
+      <p:ext uri="{BB962C8B-B14F-4D97-AF65-F5344CB8AC3E}">
+        <p14:creationId xmlns:p14="http://schemas.microsoft.com/office/powerpoint/2010/main" val="2114760644"/>
+      </p:ext>
+    </p:extLst>
+  </p:cSld>
+  <p:clrMapOvr>
+    <a:masterClrMapping/>
+  </p:clrMapOvr>
+</p:sld>
+</file>
+
+<file path=ppt/slides/slide16.xml><?xml version="1.0" encoding="utf-8"?>
+<p:sld xmlns:a="http://schemas.openxmlformats.org/drawingml/2006/main" xmlns:r="http://schemas.openxmlformats.org/officeDocument/2006/relationships" xmlns:p="http://schemas.openxmlformats.org/presentationml/2006/main">
+  <p:cSld>
+    <p:spTree>
+      <p:nvGrpSpPr>
+        <p:cNvPr id="1" name=""/>
+        <p:cNvGrpSpPr/>
+        <p:nvPr/>
+      </p:nvGrpSpPr>
+      <p:grpSpPr>
+        <a:xfrm>
+          <a:off x="0" y="0"/>
+          <a:ext cx="0" cy="0"/>
+          <a:chOff x="0" y="0"/>
+          <a:chExt cx="0" cy="0"/>
+        </a:xfrm>
+      </p:grpSpPr>
+      <p:sp>
+        <p:nvSpPr>
+          <p:cNvPr id="2" name="CuadroTexto 1">
+            <a:extLst>
+              <a:ext uri="{FF2B5EF4-FFF2-40B4-BE49-F238E27FC236}">
+                <a16:creationId xmlns:a16="http://schemas.microsoft.com/office/drawing/2014/main" id="{2AE8A4B3-C940-43BE-A340-EAEF04778AD3}"/>
+              </a:ext>
+            </a:extLst>
+          </p:cNvPr>
+          <p:cNvSpPr txBox="1"/>
+          <p:nvPr/>
+        </p:nvSpPr>
+        <p:spPr>
+          <a:xfrm>
+            <a:off x="467544" y="2421295"/>
+            <a:ext cx="7560840" cy="1015663"/>
+          </a:xfrm>
+          <a:prstGeom prst="rect">
+            <a:avLst/>
+          </a:prstGeom>
+          <a:noFill/>
+        </p:spPr>
+        <p:txBody>
+          <a:bodyPr wrap="square">
+            <a:spAutoFit/>
+          </a:bodyPr>
+          <a:lstStyle/>
+          <a:p>
+            <a:pPr algn="ctr"/>
+            <a:r>
+              <a:rPr lang="es-ES" sz="6000" b="1" dirty="0"/>
+              <a:t>FIN</a:t>
+            </a:r>
+            <a:endParaRPr lang="es-CL" sz="6000" b="1" dirty="0"/>
+          </a:p>
+        </p:txBody>
+      </p:sp>
+    </p:spTree>
+    <p:extLst>
+      <p:ext uri="{BB962C8B-B14F-4D97-AF65-F5344CB8AC3E}">
+        <p14:creationId xmlns:p14="http://schemas.microsoft.com/office/powerpoint/2010/main" val="2782102548"/>
+      </p:ext>
+    </p:extLst>
+  </p:cSld>
+  <p:clrMapOvr>
+    <a:masterClrMapping/>
+  </p:clrMapOvr>
+</p:sld>
+</file>
+
+<file path=ppt/slides/slide2.xml><?xml version="1.0" encoding="utf-8"?>
+<p:sld xmlns:a="http://schemas.openxmlformats.org/drawingml/2006/main" xmlns:r="http://schemas.openxmlformats.org/officeDocument/2006/relationships" xmlns:p="http://schemas.openxmlformats.org/presentationml/2006/main">
+  <p:cSld>
+    <p:spTree>
+      <p:nvGrpSpPr>
+        <p:cNvPr id="1" name=""/>
+        <p:cNvGrpSpPr/>
+        <p:nvPr/>
+      </p:nvGrpSpPr>
+      <p:grpSpPr>
+        <a:xfrm>
+          <a:off x="0" y="0"/>
+          <a:ext cx="0" cy="0"/>
+          <a:chOff x="0" y="0"/>
+          <a:chExt cx="0" cy="0"/>
+        </a:xfrm>
+      </p:grpSpPr>
+      <p:sp>
+        <p:nvSpPr>
+          <p:cNvPr id="11" name="CuadroTexto 10">
+            <a:extLst>
+              <a:ext uri="{FF2B5EF4-FFF2-40B4-BE49-F238E27FC236}">
+                <a16:creationId xmlns:a16="http://schemas.microsoft.com/office/drawing/2014/main" id="{C5BFD08D-01B9-4F9D-A5D2-D99F14328EE4}"/>
+              </a:ext>
+            </a:extLst>
+          </p:cNvPr>
+          <p:cNvSpPr txBox="1"/>
+          <p:nvPr/>
+        </p:nvSpPr>
+        <p:spPr>
+          <a:xfrm>
+            <a:off x="467544" y="1196752"/>
+            <a:ext cx="7560840" cy="1015663"/>
+          </a:xfrm>
+          <a:prstGeom prst="rect">
+            <a:avLst/>
+          </a:prstGeom>
+          <a:noFill/>
+        </p:spPr>
+        <p:txBody>
+          <a:bodyPr wrap="square">
+            <a:spAutoFit/>
+          </a:bodyPr>
+          <a:lstStyle/>
+          <a:p>
+            <a:pPr algn="ctr"/>
+            <a:r>
+              <a:rPr lang="es-ES" sz="6000" b="1" dirty="0"/>
+              <a:t>Introducción</a:t>
+            </a:r>
+            <a:endParaRPr lang="es-CL" sz="6000" b="1" dirty="0"/>
+          </a:p>
+        </p:txBody>
+      </p:sp>
+      <p:pic>
+        <p:nvPicPr>
+          <p:cNvPr id="2050" name="Picture 2" descr="Como potenciar tu Carnicería">
+            <a:extLst>
+              <a:ext uri="{FF2B5EF4-FFF2-40B4-BE49-F238E27FC236}">
+                <a16:creationId xmlns:a16="http://schemas.microsoft.com/office/drawing/2014/main" id="{29A3652A-E8F3-41E5-A5AC-177953C8EC65}"/>
+              </a:ext>
+            </a:extLst>
+          </p:cNvPr>
+          <p:cNvPicPr>
+            <a:picLocks noChangeAspect="1" noChangeArrowheads="1"/>
+          </p:cNvPicPr>
+          <p:nvPr/>
+        </p:nvPicPr>
+        <p:blipFill>
+          <a:blip r:embed="rId2">
+            <a:extLst>
+              <a:ext uri="{28A0092B-C50C-407E-A947-70E740481C1C}">
+                <a14:useLocalDpi xmlns:a14="http://schemas.microsoft.com/office/drawing/2010/main" val="0"/>
+              </a:ext>
+            </a:extLst>
+          </a:blip>
+          <a:srcRect/>
+          <a:stretch>
+            <a:fillRect/>
+          </a:stretch>
+        </p:blipFill>
+        <p:spPr bwMode="auto">
+          <a:xfrm>
+            <a:off x="1547664" y="2276872"/>
+            <a:ext cx="5672042" cy="3176344"/>
+          </a:xfrm>
+          <a:prstGeom prst="rect">
+            <a:avLst/>
+          </a:prstGeom>
+          <a:noFill/>
+          <a:extLst>
+            <a:ext uri="{909E8E84-426E-40DD-AFC4-6F175D3DCCD1}">
+              <a14:hiddenFill xmlns:a14="http://schemas.microsoft.com/office/drawing/2010/main">
+                <a:solidFill>
+                  <a:srgbClr val="FFFFFF"/>
+                </a:solidFill>
+              </a14:hiddenFill>
+            </a:ext>
+          </a:extLst>
+        </p:spPr>
+      </p:pic>
+    </p:spTree>
+    <p:extLst>
+      <p:ext uri="{BB962C8B-B14F-4D97-AF65-F5344CB8AC3E}">
+        <p14:creationId xmlns:p14="http://schemas.microsoft.com/office/powerpoint/2010/main" val="1011084350"/>
+      </p:ext>
+    </p:extLst>
+  </p:cSld>
+  <p:clrMapOvr>
+    <a:masterClrMapping/>
+  </p:clrMapOvr>
+</p:sld>
+</file>
+
+<file path=ppt/slides/slide3.xml><?xml version="1.0" encoding="utf-8"?>
+<p:sld xmlns:a="http://schemas.openxmlformats.org/drawingml/2006/main" xmlns:r="http://schemas.openxmlformats.org/officeDocument/2006/relationships" xmlns:p="http://schemas.openxmlformats.org/presentationml/2006/main">
+  <p:cSld>
+    <p:spTree>
+      <p:nvGrpSpPr>
+        <p:cNvPr id="1" name=""/>
+        <p:cNvGrpSpPr/>
+        <p:nvPr/>
+      </p:nvGrpSpPr>
+      <p:grpSpPr>
+        <a:xfrm>
+          <a:off x="0" y="0"/>
+          <a:ext cx="0" cy="0"/>
+          <a:chOff x="0" y="0"/>
+          <a:chExt cx="0" cy="0"/>
+        </a:xfrm>
+      </p:grpSpPr>
+      <p:sp>
+        <p:nvSpPr>
+          <p:cNvPr id="2" name="Título 1">
+            <a:extLst>
+              <a:ext uri="{FF2B5EF4-FFF2-40B4-BE49-F238E27FC236}">
+                <a16:creationId xmlns:a16="http://schemas.microsoft.com/office/drawing/2014/main" id="{94EF61D9-88D8-4855-A2E5-51CF6F12B4B3}"/>
+              </a:ext>
+            </a:extLst>
+          </p:cNvPr>
+          <p:cNvSpPr>
+            <a:spLocks noGrp="1"/>
+          </p:cNvSpPr>
+          <p:nvPr>
+            <p:ph type="title"/>
+          </p:nvPr>
+        </p:nvSpPr>
+        <p:spPr/>
+        <p:txBody>
+          <a:bodyPr/>
+          <a:lstStyle/>
+          <a:p>
+            <a:r>
+              <a:rPr lang="es-CL" dirty="0"/>
+              <a:t>Contexto</a:t>
+            </a:r>
+          </a:p>
+        </p:txBody>
+      </p:sp>
+      <p:sp>
+        <p:nvSpPr>
+          <p:cNvPr id="4" name="Marcador de pie de página 3">
+            <a:extLst>
+              <a:ext uri="{FF2B5EF4-FFF2-40B4-BE49-F238E27FC236}">
+                <a16:creationId xmlns:a16="http://schemas.microsoft.com/office/drawing/2014/main" id="{8256C4EB-0EE3-4956-A2AB-CD573D14114B}"/>
+              </a:ext>
+            </a:extLst>
+          </p:cNvPr>
+          <p:cNvSpPr>
+            <a:spLocks noGrp="1"/>
+          </p:cNvSpPr>
+          <p:nvPr>
+            <p:ph type="ftr" sz="quarter" idx="11"/>
+          </p:nvPr>
+        </p:nvSpPr>
+        <p:spPr/>
+        <p:txBody>
+          <a:bodyPr/>
+          <a:lstStyle/>
+          <a:p>
+            <a:pPr>
+              <a:defRPr/>
+            </a:pPr>
+            <a:r>
+              <a:rPr lang="es-CL"/>
+              <a:t>.::TDSW - Francisco Bórquez::.</a:t>
+            </a:r>
+          </a:p>
+        </p:txBody>
+      </p:sp>
+      <p:sp>
+        <p:nvSpPr>
+          <p:cNvPr id="5" name="Marcador de número de diapositiva 4">
+            <a:extLst>
+              <a:ext uri="{FF2B5EF4-FFF2-40B4-BE49-F238E27FC236}">
+                <a16:creationId xmlns:a16="http://schemas.microsoft.com/office/drawing/2014/main" id="{F5C94C65-9930-4DA1-8C85-674DACD39577}"/>
+              </a:ext>
+            </a:extLst>
+          </p:cNvPr>
+          <p:cNvSpPr>
+            <a:spLocks noGrp="1"/>
+          </p:cNvSpPr>
+          <p:nvPr>
+            <p:ph type="sldNum" sz="quarter" idx="12"/>
+          </p:nvPr>
+        </p:nvSpPr>
+        <p:spPr/>
+        <p:txBody>
+          <a:bodyPr/>
+          <a:lstStyle/>
+          <a:p>
+            <a:pPr>
+              <a:defRPr/>
+            </a:pPr>
+            <a:fld id="{C95D82B1-342D-4F2C-AE66-66FAF6C43A6A}" type="slidenum">
+              <a:rPr lang="es-CL" altLang="es-CL" smtClean="0"/>
+              <a:pPr>
+                <a:defRPr/>
+              </a:pPr>
+              <a:t>3</a:t>
+            </a:fld>
+            <a:endParaRPr lang="es-CL" altLang="es-CL"/>
+          </a:p>
+        </p:txBody>
+      </p:sp>
+      <p:pic>
+        <p:nvPicPr>
+          <p:cNvPr id="6146" name="Picture 2" descr="Carnicero En El Trabajo Él Está Triste Foto de stock y más banco de  imágenes de 20 a 29 años - iStock">
+            <a:extLst>
+              <a:ext uri="{FF2B5EF4-FFF2-40B4-BE49-F238E27FC236}">
+                <a16:creationId xmlns:a16="http://schemas.microsoft.com/office/drawing/2014/main" id="{711DA8EF-54D0-42A2-9359-5106E33A5F39}"/>
+              </a:ext>
+            </a:extLst>
+          </p:cNvPr>
+          <p:cNvPicPr>
+            <a:picLocks noChangeAspect="1" noChangeArrowheads="1"/>
+          </p:cNvPicPr>
+          <p:nvPr/>
+        </p:nvPicPr>
+        <p:blipFill>
+          <a:blip r:embed="rId2">
+            <a:extLst>
+              <a:ext uri="{28A0092B-C50C-407E-A947-70E740481C1C}">
+                <a14:useLocalDpi xmlns:a14="http://schemas.microsoft.com/office/drawing/2010/main" val="0"/>
+              </a:ext>
+            </a:extLst>
+          </a:blip>
+          <a:srcRect/>
+          <a:stretch>
+            <a:fillRect/>
+          </a:stretch>
+        </p:blipFill>
+        <p:spPr bwMode="auto">
+          <a:xfrm>
+            <a:off x="1403648" y="1069826"/>
+            <a:ext cx="6731116" cy="4489748"/>
+          </a:xfrm>
+          <a:prstGeom prst="rect">
+            <a:avLst/>
+          </a:prstGeom>
+          <a:noFill/>
+          <a:extLst>
+            <a:ext uri="{909E8E84-426E-40DD-AFC4-6F175D3DCCD1}">
+              <a14:hiddenFill xmlns:a14="http://schemas.microsoft.com/office/drawing/2010/main">
+                <a:solidFill>
+                  <a:srgbClr val="FFFFFF"/>
+                </a:solidFill>
+              </a14:hiddenFill>
+            </a:ext>
+          </a:extLst>
+        </p:spPr>
+      </p:pic>
+    </p:spTree>
+    <p:extLst>
+      <p:ext uri="{BB962C8B-B14F-4D97-AF65-F5344CB8AC3E}">
+        <p14:creationId xmlns:p14="http://schemas.microsoft.com/office/powerpoint/2010/main" val="1544506030"/>
+      </p:ext>
+    </p:extLst>
+  </p:cSld>
+  <p:clrMapOvr>
+    <a:masterClrMapping/>
+  </p:clrMapOvr>
+</p:sld>
+</file>
+
+<file path=ppt/slides/slide4.xml><?xml version="1.0" encoding="utf-8"?>
+<p:sld xmlns:a="http://schemas.openxmlformats.org/drawingml/2006/main" xmlns:r="http://schemas.openxmlformats.org/officeDocument/2006/relationships" xmlns:p="http://schemas.openxmlformats.org/presentationml/2006/main">
+  <p:cSld>
+    <p:spTree>
+      <p:nvGrpSpPr>
+        <p:cNvPr id="1" name=""/>
+        <p:cNvGrpSpPr/>
+        <p:nvPr/>
+      </p:nvGrpSpPr>
+      <p:grpSpPr>
+        <a:xfrm>
+          <a:off x="0" y="0"/>
+          <a:ext cx="0" cy="0"/>
+          <a:chOff x="0" y="0"/>
+          <a:chExt cx="0" cy="0"/>
+        </a:xfrm>
+      </p:grpSpPr>
+      <p:sp>
+        <p:nvSpPr>
+          <p:cNvPr id="2" name="Título 1">
+            <a:extLst>
+              <a:ext uri="{FF2B5EF4-FFF2-40B4-BE49-F238E27FC236}">
+                <a16:creationId xmlns:a16="http://schemas.microsoft.com/office/drawing/2014/main" id="{94EF61D9-88D8-4855-A2E5-51CF6F12B4B3}"/>
+              </a:ext>
+            </a:extLst>
+          </p:cNvPr>
+          <p:cNvSpPr>
+            <a:spLocks noGrp="1"/>
+          </p:cNvSpPr>
+          <p:nvPr>
+            <p:ph type="title"/>
+          </p:nvPr>
+        </p:nvSpPr>
+        <p:spPr>
+          <a:xfrm>
+            <a:off x="1524000" y="76200"/>
+            <a:ext cx="7584504" cy="685800"/>
+          </a:xfrm>
+        </p:spPr>
+        <p:txBody>
+          <a:bodyPr/>
+          <a:lstStyle/>
+          <a:p>
+            <a:r>
+              <a:rPr lang="es-CL" dirty="0"/>
+              <a:t>Desafíos en Implementación del proyecto</a:t>
+            </a:r>
+          </a:p>
+        </p:txBody>
+      </p:sp>
+      <p:sp>
+        <p:nvSpPr>
+          <p:cNvPr id="4" name="Marcador de pie de página 3">
+            <a:extLst>
+              <a:ext uri="{FF2B5EF4-FFF2-40B4-BE49-F238E27FC236}">
+                <a16:creationId xmlns:a16="http://schemas.microsoft.com/office/drawing/2014/main" id="{8256C4EB-0EE3-4956-A2AB-CD573D14114B}"/>
+              </a:ext>
+            </a:extLst>
+          </p:cNvPr>
+          <p:cNvSpPr>
+            <a:spLocks noGrp="1"/>
+          </p:cNvSpPr>
+          <p:nvPr>
+            <p:ph type="ftr" sz="quarter" idx="11"/>
+          </p:nvPr>
+        </p:nvSpPr>
+        <p:spPr/>
+        <p:txBody>
+          <a:bodyPr/>
+          <a:lstStyle/>
+          <a:p>
+            <a:pPr>
+              <a:defRPr/>
+            </a:pPr>
+            <a:r>
+              <a:rPr lang="es-CL"/>
+              <a:t>.::TDSW - Francisco Bórquez::.</a:t>
+            </a:r>
+          </a:p>
+        </p:txBody>
+      </p:sp>
+      <p:sp>
+        <p:nvSpPr>
+          <p:cNvPr id="5" name="Marcador de número de diapositiva 4">
+            <a:extLst>
+              <a:ext uri="{FF2B5EF4-FFF2-40B4-BE49-F238E27FC236}">
+                <a16:creationId xmlns:a16="http://schemas.microsoft.com/office/drawing/2014/main" id="{F5C94C65-9930-4DA1-8C85-674DACD39577}"/>
+              </a:ext>
+            </a:extLst>
+          </p:cNvPr>
+          <p:cNvSpPr>
+            <a:spLocks noGrp="1"/>
+          </p:cNvSpPr>
+          <p:nvPr>
+            <p:ph type="sldNum" sz="quarter" idx="12"/>
+          </p:nvPr>
+        </p:nvSpPr>
+        <p:spPr/>
+        <p:txBody>
+          <a:bodyPr/>
+          <a:lstStyle/>
+          <a:p>
+            <a:pPr>
+              <a:defRPr/>
+            </a:pPr>
+            <a:fld id="{C95D82B1-342D-4F2C-AE66-66FAF6C43A6A}" type="slidenum">
+              <a:rPr lang="es-CL" altLang="es-CL" smtClean="0"/>
+              <a:pPr>
+                <a:defRPr/>
+              </a:pPr>
+              <a:t>4</a:t>
+            </a:fld>
+            <a:endParaRPr lang="es-CL" altLang="es-CL"/>
+          </a:p>
+        </p:txBody>
+      </p:sp>
+      <p:sp>
+        <p:nvSpPr>
+          <p:cNvPr id="6" name="Título 1">
+            <a:extLst>
+              <a:ext uri="{FF2B5EF4-FFF2-40B4-BE49-F238E27FC236}">
+                <a16:creationId xmlns:a16="http://schemas.microsoft.com/office/drawing/2014/main" id="{0A88F1A8-C6A4-4B08-8E90-EDDEBE345E3C}"/>
+              </a:ext>
+            </a:extLst>
+          </p:cNvPr>
+          <p:cNvSpPr txBox="1">
+            <a:spLocks/>
+          </p:cNvSpPr>
+          <p:nvPr/>
+        </p:nvSpPr>
+        <p:spPr bwMode="auto">
+          <a:xfrm>
+            <a:off x="395536" y="1700808"/>
+            <a:ext cx="7086600" cy="1584176"/>
+          </a:xfrm>
+          <a:prstGeom prst="rect">
+            <a:avLst/>
+          </a:prstGeom>
+          <a:noFill/>
+          <a:ln w="9525">
+            <a:noFill/>
+            <a:miter lim="800000"/>
+            <a:headEnd/>
+            <a:tailEnd/>
+          </a:ln>
+          <a:effectLst/>
+        </p:spPr>
+        <p:txBody>
+          <a:bodyPr vert="horz" wrap="square" lIns="91440" tIns="45720" rIns="91440" bIns="45720" numCol="1" anchor="ctr" anchorCtr="0" compatLnSpc="1">
+            <a:prstTxWarp prst="textNoShape">
+              <a:avLst/>
+            </a:prstTxWarp>
+          </a:bodyPr>
+          <a:lstStyle>
+            <a:lvl1pPr algn="l" rtl="0" eaLnBrk="0" fontAlgn="base" hangingPunct="0">
+              <a:spcBef>
+                <a:spcPct val="0"/>
+              </a:spcBef>
+              <a:spcAft>
+                <a:spcPct val="0"/>
+              </a:spcAft>
+              <a:defRPr sz="3200" b="1" i="1">
+                <a:solidFill>
+                  <a:schemeClr val="tx2"/>
+                </a:solidFill>
+                <a:effectLst>
+                  <a:outerShdw blurRad="38100" dist="38100" dir="2700000" algn="tl">
+                    <a:srgbClr val="C0C0C0"/>
+                  </a:outerShdw>
+                </a:effectLst>
+                <a:latin typeface="+mj-lt"/>
+                <a:ea typeface="+mj-ea"/>
+                <a:cs typeface="+mj-cs"/>
+              </a:defRPr>
+            </a:lvl1pPr>
+            <a:lvl2pPr algn="l" rtl="0" eaLnBrk="0" fontAlgn="base" hangingPunct="0">
+              <a:spcBef>
+                <a:spcPct val="0"/>
+              </a:spcBef>
+              <a:spcAft>
+                <a:spcPct val="0"/>
+              </a:spcAft>
+              <a:defRPr sz="3200" b="1" i="1">
+                <a:solidFill>
+                  <a:schemeClr val="tx2"/>
+                </a:solidFill>
+                <a:effectLst>
+                  <a:outerShdw blurRad="38100" dist="38100" dir="2700000" algn="tl">
+                    <a:srgbClr val="C0C0C0"/>
+                  </a:outerShdw>
+                </a:effectLst>
+                <a:latin typeface="Verdana" pitchFamily="34" charset="0"/>
+              </a:defRPr>
+            </a:lvl2pPr>
+            <a:lvl3pPr algn="l" rtl="0" eaLnBrk="0" fontAlgn="base" hangingPunct="0">
+              <a:spcBef>
+                <a:spcPct val="0"/>
+              </a:spcBef>
+              <a:spcAft>
+                <a:spcPct val="0"/>
+              </a:spcAft>
+              <a:defRPr sz="3200" b="1" i="1">
+                <a:solidFill>
+                  <a:schemeClr val="tx2"/>
+                </a:solidFill>
+                <a:effectLst>
+                  <a:outerShdw blurRad="38100" dist="38100" dir="2700000" algn="tl">
+                    <a:srgbClr val="C0C0C0"/>
+                  </a:outerShdw>
+                </a:effectLst>
+                <a:latin typeface="Verdana" pitchFamily="34" charset="0"/>
+              </a:defRPr>
+            </a:lvl3pPr>
+            <a:lvl4pPr algn="l" rtl="0" eaLnBrk="0" fontAlgn="base" hangingPunct="0">
+              <a:spcBef>
+                <a:spcPct val="0"/>
+              </a:spcBef>
+              <a:spcAft>
+                <a:spcPct val="0"/>
+              </a:spcAft>
+              <a:defRPr sz="3200" b="1" i="1">
+                <a:solidFill>
+                  <a:schemeClr val="tx2"/>
+                </a:solidFill>
+                <a:effectLst>
+                  <a:outerShdw blurRad="38100" dist="38100" dir="2700000" algn="tl">
+                    <a:srgbClr val="C0C0C0"/>
+                  </a:outerShdw>
+                </a:effectLst>
+                <a:latin typeface="Verdana" pitchFamily="34" charset="0"/>
+              </a:defRPr>
+            </a:lvl4pPr>
+            <a:lvl5pPr algn="l" rtl="0" eaLnBrk="0" fontAlgn="base" hangingPunct="0">
+              <a:spcBef>
+                <a:spcPct val="0"/>
+              </a:spcBef>
+              <a:spcAft>
+                <a:spcPct val="0"/>
+              </a:spcAft>
+              <a:defRPr sz="3200" b="1" i="1">
+                <a:solidFill>
+                  <a:schemeClr val="tx2"/>
+                </a:solidFill>
+                <a:effectLst>
+                  <a:outerShdw blurRad="38100" dist="38100" dir="2700000" algn="tl">
+                    <a:srgbClr val="C0C0C0"/>
+                  </a:outerShdw>
+                </a:effectLst>
+                <a:latin typeface="Verdana" pitchFamily="34" charset="0"/>
+              </a:defRPr>
+            </a:lvl5pPr>
+            <a:lvl6pPr marL="457200" algn="l" rtl="0" fontAlgn="base">
+              <a:spcBef>
+                <a:spcPct val="0"/>
+              </a:spcBef>
+              <a:spcAft>
+                <a:spcPct val="0"/>
+              </a:spcAft>
+              <a:defRPr sz="3200" b="1" i="1">
+                <a:solidFill>
+                  <a:schemeClr val="tx2"/>
+                </a:solidFill>
+                <a:effectLst>
+                  <a:outerShdw blurRad="38100" dist="38100" dir="2700000" algn="tl">
+                    <a:srgbClr val="C0C0C0"/>
+                  </a:outerShdw>
+                </a:effectLst>
+                <a:latin typeface="Verdana" pitchFamily="34" charset="0"/>
+              </a:defRPr>
+            </a:lvl6pPr>
+            <a:lvl7pPr marL="914400" algn="l" rtl="0" fontAlgn="base">
+              <a:spcBef>
+                <a:spcPct val="0"/>
+              </a:spcBef>
+              <a:spcAft>
+                <a:spcPct val="0"/>
+              </a:spcAft>
+              <a:defRPr sz="3200" b="1" i="1">
+                <a:solidFill>
+                  <a:schemeClr val="tx2"/>
+                </a:solidFill>
+                <a:effectLst>
+                  <a:outerShdw blurRad="38100" dist="38100" dir="2700000" algn="tl">
+                    <a:srgbClr val="C0C0C0"/>
+                  </a:outerShdw>
+                </a:effectLst>
+                <a:latin typeface="Verdana" pitchFamily="34" charset="0"/>
+              </a:defRPr>
+            </a:lvl7pPr>
+            <a:lvl8pPr marL="1371600" algn="l" rtl="0" fontAlgn="base">
+              <a:spcBef>
+                <a:spcPct val="0"/>
+              </a:spcBef>
+              <a:spcAft>
+                <a:spcPct val="0"/>
+              </a:spcAft>
+              <a:defRPr sz="3200" b="1" i="1">
+                <a:solidFill>
+                  <a:schemeClr val="tx2"/>
+                </a:solidFill>
+                <a:effectLst>
+                  <a:outerShdw blurRad="38100" dist="38100" dir="2700000" algn="tl">
+                    <a:srgbClr val="C0C0C0"/>
+                  </a:outerShdw>
+                </a:effectLst>
+                <a:latin typeface="Verdana" pitchFamily="34" charset="0"/>
+              </a:defRPr>
+            </a:lvl8pPr>
+            <a:lvl9pPr marL="1828800" algn="l" rtl="0" fontAlgn="base">
+              <a:spcBef>
+                <a:spcPct val="0"/>
+              </a:spcBef>
+              <a:spcAft>
+                <a:spcPct val="0"/>
+              </a:spcAft>
+              <a:defRPr sz="3200" b="1" i="1">
+                <a:solidFill>
+                  <a:schemeClr val="tx2"/>
+                </a:solidFill>
+                <a:effectLst>
+                  <a:outerShdw blurRad="38100" dist="38100" dir="2700000" algn="tl">
+                    <a:srgbClr val="C0C0C0"/>
+                  </a:outerShdw>
+                </a:effectLst>
+                <a:latin typeface="Verdana" pitchFamily="34" charset="0"/>
+              </a:defRPr>
+            </a:lvl9pPr>
+          </a:lstStyle>
+          <a:p>
+            <a:pPr marL="457200" indent="-457200">
+              <a:buFont typeface="Arial" panose="020B0604020202020204" pitchFamily="34" charset="0"/>
+              <a:buChar char="•"/>
+            </a:pPr>
+            <a:r>
+              <a:rPr lang="es-CL" kern="0" dirty="0">
+                <a:solidFill>
+                  <a:schemeClr val="bg1">
+                    <a:lumMod val="50000"/>
+                  </a:schemeClr>
+                </a:solidFill>
+              </a:rPr>
+              <a:t>Desconocimiento del Front.</a:t>
+            </a:r>
+          </a:p>
+          <a:p>
+            <a:pPr marL="457200" indent="-457200">
+              <a:buFont typeface="Arial" panose="020B0604020202020204" pitchFamily="34" charset="0"/>
+              <a:buChar char="•"/>
+            </a:pPr>
+            <a:r>
+              <a:rPr lang="es-CL" kern="0" dirty="0">
+                <a:solidFill>
+                  <a:schemeClr val="bg1">
+                    <a:lumMod val="50000"/>
+                  </a:schemeClr>
+                </a:solidFill>
+              </a:rPr>
+              <a:t>Curva de aprendizaje de cada uno.</a:t>
+            </a:r>
+          </a:p>
+        </p:txBody>
+      </p:sp>
+      <p:sp>
+        <p:nvSpPr>
+          <p:cNvPr id="8" name="CuadroTexto 7">
+            <a:extLst>
+              <a:ext uri="{FF2B5EF4-FFF2-40B4-BE49-F238E27FC236}">
+                <a16:creationId xmlns:a16="http://schemas.microsoft.com/office/drawing/2014/main" id="{B7603385-C931-4543-B918-1939ABC21206}"/>
+              </a:ext>
+            </a:extLst>
+          </p:cNvPr>
+          <p:cNvSpPr txBox="1"/>
+          <p:nvPr/>
+        </p:nvSpPr>
+        <p:spPr>
+          <a:xfrm>
+            <a:off x="2352964" y="2877087"/>
+            <a:ext cx="4705926" cy="914481"/>
+          </a:xfrm>
+          <a:prstGeom prst="rect">
+            <a:avLst/>
+          </a:prstGeom>
+          <a:noFill/>
+        </p:spPr>
+        <p:txBody>
+          <a:bodyPr wrap="square">
+            <a:spAutoFit/>
+          </a:bodyPr>
+          <a:lstStyle/>
+          <a:p>
+            <a:pPr>
+              <a:lnSpc>
+                <a:spcPct val="115000"/>
+              </a:lnSpc>
+              <a:spcAft>
+                <a:spcPts val="1000"/>
+              </a:spcAft>
+            </a:pPr>
+            <a:r>
+              <a:rPr lang="es-CL" sz="2400" dirty="0">
+                <a:solidFill>
+                  <a:srgbClr val="222222"/>
+                </a:solidFill>
+                <a:effectLst/>
+                <a:latin typeface="Arial" panose="020B0604020202020204" pitchFamily="34" charset="0"/>
+                <a:ea typeface="Times New Roman" panose="02020603050405020304" pitchFamily="18" charset="0"/>
+                <a:cs typeface="Times New Roman" panose="02020603050405020304" pitchFamily="18" charset="0"/>
+              </a:rPr>
+              <a:t>Planificación Carta Gantt / Estructura de </a:t>
+            </a:r>
+            <a:r>
+              <a:rPr lang="es-CL" sz="2400" dirty="0" err="1">
+                <a:solidFill>
+                  <a:srgbClr val="222222"/>
+                </a:solidFill>
+                <a:effectLst/>
+                <a:latin typeface="Arial" panose="020B0604020202020204" pitchFamily="34" charset="0"/>
+                <a:ea typeface="Times New Roman" panose="02020603050405020304" pitchFamily="18" charset="0"/>
+                <a:cs typeface="Times New Roman" panose="02020603050405020304" pitchFamily="18" charset="0"/>
+              </a:rPr>
+              <a:t>Sprints</a:t>
+            </a:r>
+            <a:endParaRPr lang="es-CL" sz="3200" dirty="0">
+              <a:effectLst/>
+              <a:latin typeface="Calibri" panose="020F0502020204030204" pitchFamily="34" charset="0"/>
+              <a:ea typeface="Calibri" panose="020F0502020204030204" pitchFamily="34" charset="0"/>
+              <a:cs typeface="Times New Roman" panose="02020603050405020304" pitchFamily="18" charset="0"/>
+            </a:endParaRPr>
+          </a:p>
+        </p:txBody>
+      </p:sp>
+    </p:spTree>
+    <p:extLst>
+      <p:ext uri="{BB962C8B-B14F-4D97-AF65-F5344CB8AC3E}">
+        <p14:creationId xmlns:p14="http://schemas.microsoft.com/office/powerpoint/2010/main" val="377045136"/>
+      </p:ext>
+    </p:extLst>
+  </p:cSld>
+  <p:clrMapOvr>
+    <a:masterClrMapping/>
+  </p:clrMapOvr>
+</p:sld>
+</file>
+
+<file path=ppt/slides/slide5.xml><?xml version="1.0" encoding="utf-8"?>
+<p:sld xmlns:a="http://schemas.openxmlformats.org/drawingml/2006/main" xmlns:r="http://schemas.openxmlformats.org/officeDocument/2006/relationships" xmlns:p="http://schemas.openxmlformats.org/presentationml/2006/main">
+  <p:cSld>
+    <p:spTree>
+      <p:nvGrpSpPr>
+        <p:cNvPr id="1" name=""/>
+        <p:cNvGrpSpPr/>
+        <p:nvPr/>
+      </p:nvGrpSpPr>
+      <p:grpSpPr>
+        <a:xfrm>
+          <a:off x="0" y="0"/>
+          <a:ext cx="0" cy="0"/>
+          <a:chOff x="0" y="0"/>
+          <a:chExt cx="0" cy="0"/>
+        </a:xfrm>
+      </p:grpSpPr>
+      <p:sp>
+        <p:nvSpPr>
+          <p:cNvPr id="2" name="Título 1">
+            <a:extLst>
+              <a:ext uri="{FF2B5EF4-FFF2-40B4-BE49-F238E27FC236}">
+                <a16:creationId xmlns:a16="http://schemas.microsoft.com/office/drawing/2014/main" id="{94EF61D9-88D8-4855-A2E5-51CF6F12B4B3}"/>
+              </a:ext>
+            </a:extLst>
+          </p:cNvPr>
+          <p:cNvSpPr>
+            <a:spLocks noGrp="1"/>
+          </p:cNvSpPr>
+          <p:nvPr>
+            <p:ph type="title"/>
+          </p:nvPr>
+        </p:nvSpPr>
+        <p:spPr>
+          <a:xfrm>
+            <a:off x="1524000" y="76200"/>
+            <a:ext cx="7584504" cy="685800"/>
+          </a:xfrm>
+        </p:spPr>
+        <p:txBody>
+          <a:bodyPr/>
+          <a:lstStyle/>
+          <a:p>
+            <a:pPr>
+              <a:lnSpc>
+                <a:spcPct val="115000"/>
+              </a:lnSpc>
+              <a:spcAft>
+                <a:spcPts val="1000"/>
+              </a:spcAft>
+            </a:pPr>
+            <a:r>
+              <a:rPr lang="es-CL" sz="3200" dirty="0">
+                <a:solidFill>
+                  <a:srgbClr val="222222"/>
+                </a:solidFill>
+                <a:effectLst/>
+                <a:latin typeface="Arial" panose="020B0604020202020204" pitchFamily="34" charset="0"/>
+                <a:ea typeface="Times New Roman" panose="02020603050405020304" pitchFamily="18" charset="0"/>
+                <a:cs typeface="Times New Roman" panose="02020603050405020304" pitchFamily="18" charset="0"/>
+              </a:rPr>
+              <a:t>Planificación Carta Gantt / Estructura de </a:t>
+            </a:r>
+            <a:r>
+              <a:rPr lang="es-CL" sz="3200" dirty="0" err="1">
+                <a:solidFill>
+                  <a:srgbClr val="222222"/>
+                </a:solidFill>
+                <a:effectLst/>
+                <a:latin typeface="Arial" panose="020B0604020202020204" pitchFamily="34" charset="0"/>
+                <a:ea typeface="Times New Roman" panose="02020603050405020304" pitchFamily="18" charset="0"/>
+                <a:cs typeface="Times New Roman" panose="02020603050405020304" pitchFamily="18" charset="0"/>
+              </a:rPr>
+              <a:t>Sprints</a:t>
+            </a:r>
+            <a:endParaRPr lang="es-CL" sz="4000" dirty="0">
+              <a:effectLst/>
+              <a:latin typeface="Calibri" panose="020F0502020204030204" pitchFamily="34" charset="0"/>
+              <a:ea typeface="Calibri" panose="020F0502020204030204" pitchFamily="34" charset="0"/>
+              <a:cs typeface="Times New Roman" panose="02020603050405020304" pitchFamily="18" charset="0"/>
+            </a:endParaRPr>
+          </a:p>
+        </p:txBody>
+      </p:sp>
+      <p:sp>
+        <p:nvSpPr>
+          <p:cNvPr id="4" name="Marcador de pie de página 3">
+            <a:extLst>
+              <a:ext uri="{FF2B5EF4-FFF2-40B4-BE49-F238E27FC236}">
+                <a16:creationId xmlns:a16="http://schemas.microsoft.com/office/drawing/2014/main" id="{8256C4EB-0EE3-4956-A2AB-CD573D14114B}"/>
+              </a:ext>
+            </a:extLst>
+          </p:cNvPr>
+          <p:cNvSpPr>
+            <a:spLocks noGrp="1"/>
+          </p:cNvSpPr>
+          <p:nvPr>
+            <p:ph type="ftr" sz="quarter" idx="11"/>
+          </p:nvPr>
+        </p:nvSpPr>
+        <p:spPr/>
+        <p:txBody>
+          <a:bodyPr/>
+          <a:lstStyle/>
+          <a:p>
+            <a:pPr>
+              <a:defRPr/>
+            </a:pPr>
+            <a:r>
+              <a:rPr lang="es-CL"/>
+              <a:t>.::TDSW - Francisco Bórquez::.</a:t>
+            </a:r>
+          </a:p>
+        </p:txBody>
+      </p:sp>
+      <p:sp>
+        <p:nvSpPr>
+          <p:cNvPr id="5" name="Marcador de número de diapositiva 4">
+            <a:extLst>
+              <a:ext uri="{FF2B5EF4-FFF2-40B4-BE49-F238E27FC236}">
+                <a16:creationId xmlns:a16="http://schemas.microsoft.com/office/drawing/2014/main" id="{F5C94C65-9930-4DA1-8C85-674DACD39577}"/>
+              </a:ext>
+            </a:extLst>
+          </p:cNvPr>
+          <p:cNvSpPr>
+            <a:spLocks noGrp="1"/>
+          </p:cNvSpPr>
+          <p:nvPr>
+            <p:ph type="sldNum" sz="quarter" idx="12"/>
+          </p:nvPr>
+        </p:nvSpPr>
+        <p:spPr/>
+        <p:txBody>
+          <a:bodyPr/>
+          <a:lstStyle/>
+          <a:p>
+            <a:pPr>
+              <a:defRPr/>
+            </a:pPr>
+            <a:fld id="{C95D82B1-342D-4F2C-AE66-66FAF6C43A6A}" type="slidenum">
+              <a:rPr lang="es-CL" altLang="es-CL" smtClean="0"/>
+              <a:pPr>
+                <a:defRPr/>
+              </a:pPr>
+              <a:t>5</a:t>
+            </a:fld>
+            <a:endParaRPr lang="es-CL" altLang="es-CL"/>
+          </a:p>
+        </p:txBody>
+      </p:sp>
+      <p:pic>
+        <p:nvPicPr>
+          <p:cNvPr id="9" name="Imagen 8" descr="Interfaz de usuario gráfica, Tabla&#10;&#10;Descripción generada automáticamente">
+            <a:extLst>
+              <a:ext uri="{FF2B5EF4-FFF2-40B4-BE49-F238E27FC236}">
+                <a16:creationId xmlns:a16="http://schemas.microsoft.com/office/drawing/2014/main" id="{E7BF47C4-386B-4E85-9212-AC164FDF39DE}"/>
+              </a:ext>
+            </a:extLst>
+          </p:cNvPr>
+          <p:cNvPicPr>
+            <a:picLocks noChangeAspect="1"/>
+          </p:cNvPicPr>
+          <p:nvPr/>
+        </p:nvPicPr>
+        <p:blipFill>
+          <a:blip r:embed="rId2">
+            <a:extLst>
+              <a:ext uri="{28A0092B-C50C-407E-A947-70E740481C1C}">
+                <a14:useLocalDpi xmlns:a14="http://schemas.microsoft.com/office/drawing/2010/main" val="0"/>
+              </a:ext>
+            </a:extLst>
+          </a:blip>
+          <a:stretch>
+            <a:fillRect/>
+          </a:stretch>
+        </p:blipFill>
+        <p:spPr>
+          <a:xfrm>
+            <a:off x="1531175" y="980728"/>
+            <a:ext cx="5872131" cy="4695837"/>
+          </a:xfrm>
+          <a:prstGeom prst="rect">
+            <a:avLst/>
+          </a:prstGeom>
+        </p:spPr>
+      </p:pic>
+    </p:spTree>
+    <p:extLst>
+      <p:ext uri="{BB962C8B-B14F-4D97-AF65-F5344CB8AC3E}">
+        <p14:creationId xmlns:p14="http://schemas.microsoft.com/office/powerpoint/2010/main" val="4157539515"/>
+      </p:ext>
+    </p:extLst>
+  </p:cSld>
+  <p:clrMapOvr>
+    <a:masterClrMapping/>
+  </p:clrMapOvr>
+</p:sld>
+</file>
+
+<file path=ppt/slides/slide6.xml><?xml version="1.0" encoding="utf-8"?>
+<p:sld xmlns:a="http://schemas.openxmlformats.org/drawingml/2006/main" xmlns:r="http://schemas.openxmlformats.org/officeDocument/2006/relationships" xmlns:p="http://schemas.openxmlformats.org/presentationml/2006/main">
+  <p:cSld>
+    <p:spTree>
+      <p:nvGrpSpPr>
+        <p:cNvPr id="1" name=""/>
+        <p:cNvGrpSpPr/>
+        <p:nvPr/>
+      </p:nvGrpSpPr>
+      <p:grpSpPr>
+        <a:xfrm>
+          <a:off x="0" y="0"/>
+          <a:ext cx="0" cy="0"/>
+          <a:chOff x="0" y="0"/>
+          <a:chExt cx="0" cy="0"/>
+        </a:xfrm>
+      </p:grpSpPr>
+      <p:sp>
+        <p:nvSpPr>
+          <p:cNvPr id="2" name="Título 1">
+            <a:extLst>
+              <a:ext uri="{FF2B5EF4-FFF2-40B4-BE49-F238E27FC236}">
+                <a16:creationId xmlns:a16="http://schemas.microsoft.com/office/drawing/2014/main" id="{94EF61D9-88D8-4855-A2E5-51CF6F12B4B3}"/>
+              </a:ext>
+            </a:extLst>
+          </p:cNvPr>
+          <p:cNvSpPr>
+            <a:spLocks noGrp="1"/>
+          </p:cNvSpPr>
+          <p:nvPr>
+            <p:ph type="title"/>
+          </p:nvPr>
+        </p:nvSpPr>
+        <p:spPr>
+          <a:xfrm>
+            <a:off x="1524000" y="76200"/>
+            <a:ext cx="7584504" cy="685800"/>
+          </a:xfrm>
+        </p:spPr>
+        <p:txBody>
+          <a:bodyPr/>
+          <a:lstStyle/>
+          <a:p>
+            <a:pPr>
+              <a:lnSpc>
+                <a:spcPct val="115000"/>
+              </a:lnSpc>
+              <a:spcAft>
+                <a:spcPts val="1000"/>
+              </a:spcAft>
+            </a:pPr>
+            <a:r>
+              <a:rPr lang="es-CL" sz="3200" dirty="0">
+                <a:solidFill>
+                  <a:srgbClr val="222222"/>
+                </a:solidFill>
+                <a:effectLst/>
+                <a:latin typeface="Arial" panose="020B0604020202020204" pitchFamily="34" charset="0"/>
+                <a:ea typeface="Times New Roman" panose="02020603050405020304" pitchFamily="18" charset="0"/>
+                <a:cs typeface="Times New Roman" panose="02020603050405020304" pitchFamily="18" charset="0"/>
+              </a:rPr>
+              <a:t>Planificación Carta Gantt / Estructura de </a:t>
+            </a:r>
+            <a:r>
+              <a:rPr lang="es-CL" sz="3200" dirty="0" err="1">
+                <a:solidFill>
+                  <a:srgbClr val="222222"/>
+                </a:solidFill>
+                <a:effectLst/>
+                <a:latin typeface="Arial" panose="020B0604020202020204" pitchFamily="34" charset="0"/>
+                <a:ea typeface="Times New Roman" panose="02020603050405020304" pitchFamily="18" charset="0"/>
+                <a:cs typeface="Times New Roman" panose="02020603050405020304" pitchFamily="18" charset="0"/>
+              </a:rPr>
+              <a:t>Sprints</a:t>
+            </a:r>
+            <a:endParaRPr lang="es-CL" sz="4000" dirty="0">
+              <a:effectLst/>
+              <a:latin typeface="Calibri" panose="020F0502020204030204" pitchFamily="34" charset="0"/>
+              <a:ea typeface="Calibri" panose="020F0502020204030204" pitchFamily="34" charset="0"/>
+              <a:cs typeface="Times New Roman" panose="02020603050405020304" pitchFamily="18" charset="0"/>
+            </a:endParaRPr>
+          </a:p>
+        </p:txBody>
+      </p:sp>
+      <p:sp>
+        <p:nvSpPr>
+          <p:cNvPr id="4" name="Marcador de pie de página 3">
+            <a:extLst>
+              <a:ext uri="{FF2B5EF4-FFF2-40B4-BE49-F238E27FC236}">
+                <a16:creationId xmlns:a16="http://schemas.microsoft.com/office/drawing/2014/main" id="{8256C4EB-0EE3-4956-A2AB-CD573D14114B}"/>
+              </a:ext>
+            </a:extLst>
+          </p:cNvPr>
+          <p:cNvSpPr>
+            <a:spLocks noGrp="1"/>
+          </p:cNvSpPr>
+          <p:nvPr>
+            <p:ph type="ftr" sz="quarter" idx="11"/>
+          </p:nvPr>
+        </p:nvSpPr>
+        <p:spPr/>
+        <p:txBody>
+          <a:bodyPr/>
+          <a:lstStyle/>
+          <a:p>
+            <a:pPr>
+              <a:defRPr/>
+            </a:pPr>
+            <a:r>
+              <a:rPr lang="es-CL"/>
+              <a:t>.::TDSW - Francisco Bórquez::.</a:t>
+            </a:r>
+          </a:p>
+        </p:txBody>
+      </p:sp>
+      <p:sp>
+        <p:nvSpPr>
+          <p:cNvPr id="5" name="Marcador de número de diapositiva 4">
+            <a:extLst>
+              <a:ext uri="{FF2B5EF4-FFF2-40B4-BE49-F238E27FC236}">
+                <a16:creationId xmlns:a16="http://schemas.microsoft.com/office/drawing/2014/main" id="{F5C94C65-9930-4DA1-8C85-674DACD39577}"/>
+              </a:ext>
+            </a:extLst>
+          </p:cNvPr>
+          <p:cNvSpPr>
+            <a:spLocks noGrp="1"/>
+          </p:cNvSpPr>
+          <p:nvPr>
+            <p:ph type="sldNum" sz="quarter" idx="12"/>
+          </p:nvPr>
+        </p:nvSpPr>
+        <p:spPr/>
+        <p:txBody>
+          <a:bodyPr/>
+          <a:lstStyle/>
+          <a:p>
+            <a:pPr>
+              <a:defRPr/>
+            </a:pPr>
+            <a:fld id="{C95D82B1-342D-4F2C-AE66-66FAF6C43A6A}" type="slidenum">
+              <a:rPr lang="es-CL" altLang="es-CL" smtClean="0"/>
+              <a:pPr>
+                <a:defRPr/>
+              </a:pPr>
+              <a:t>6</a:t>
+            </a:fld>
+            <a:endParaRPr lang="es-CL" altLang="es-CL"/>
+          </a:p>
+        </p:txBody>
+      </p:sp>
+      <p:pic>
+        <p:nvPicPr>
+          <p:cNvPr id="6" name="Imagen 5" descr="Tabla&#10;&#10;Descripción generada automáticamente">
+            <a:extLst>
+              <a:ext uri="{FF2B5EF4-FFF2-40B4-BE49-F238E27FC236}">
+                <a16:creationId xmlns:a16="http://schemas.microsoft.com/office/drawing/2014/main" id="{9E5E3CB6-CD4B-47DD-9B04-1B5956DF8F67}"/>
+              </a:ext>
+            </a:extLst>
+          </p:cNvPr>
+          <p:cNvPicPr>
+            <a:picLocks noChangeAspect="1"/>
+          </p:cNvPicPr>
+          <p:nvPr/>
+        </p:nvPicPr>
+        <p:blipFill>
+          <a:blip r:embed="rId2">
+            <a:extLst>
+              <a:ext uri="{28A0092B-C50C-407E-A947-70E740481C1C}">
+                <a14:useLocalDpi xmlns:a14="http://schemas.microsoft.com/office/drawing/2010/main" val="0"/>
+              </a:ext>
+            </a:extLst>
+          </a:blip>
+          <a:stretch>
+            <a:fillRect/>
+          </a:stretch>
+        </p:blipFill>
+        <p:spPr>
+          <a:xfrm>
+            <a:off x="1115616" y="1030070"/>
+            <a:ext cx="7380312" cy="4584462"/>
+          </a:xfrm>
+          <a:prstGeom prst="rect">
+            <a:avLst/>
+          </a:prstGeom>
+        </p:spPr>
+      </p:pic>
+    </p:spTree>
+    <p:extLst>
+      <p:ext uri="{BB962C8B-B14F-4D97-AF65-F5344CB8AC3E}">
+        <p14:creationId xmlns:p14="http://schemas.microsoft.com/office/powerpoint/2010/main" val="1700721959"/>
+      </p:ext>
+    </p:extLst>
+  </p:cSld>
+  <p:clrMapOvr>
+    <a:masterClrMapping/>
+  </p:clrMapOvr>
+</p:sld>
+</file>
+
 <file path=ppt/slides/slide7.xml><?xml version="1.0" encoding="utf-8"?>
 <p:sld xmlns:a="http://schemas.openxmlformats.org/drawingml/2006/main" xmlns:r="http://schemas.openxmlformats.org/officeDocument/2006/relationships" xmlns:p="http://schemas.openxmlformats.org/presentationml/2006/main">
   <p:cSld>
@@ -7739,125 +7796,167 @@
       </p:grpSpPr>
       <p:sp>
         <p:nvSpPr>
-          <p:cNvPr id="3" name="CuadroTexto 2">
-            <a:extLst>
-              <a:ext uri="{FF2B5EF4-FFF2-40B4-BE49-F238E27FC236}">
-                <a16:creationId xmlns:a16="http://schemas.microsoft.com/office/drawing/2014/main" id="{58CC84EE-54E7-4C7B-8941-FBA6AFF6A384}"/>
-              </a:ext>
-            </a:extLst>
-          </p:cNvPr>
-          <p:cNvSpPr txBox="1"/>
-          <p:nvPr/>
+          <p:cNvPr id="2" name="Título 1">
+            <a:extLst>
+              <a:ext uri="{FF2B5EF4-FFF2-40B4-BE49-F238E27FC236}">
+                <a16:creationId xmlns:a16="http://schemas.microsoft.com/office/drawing/2014/main" id="{94EF61D9-88D8-4855-A2E5-51CF6F12B4B3}"/>
+              </a:ext>
+            </a:extLst>
+          </p:cNvPr>
+          <p:cNvSpPr>
+            <a:spLocks noGrp="1"/>
+          </p:cNvSpPr>
+          <p:nvPr>
+            <p:ph type="title"/>
+          </p:nvPr>
         </p:nvSpPr>
         <p:spPr>
           <a:xfrm>
-            <a:off x="251520" y="980728"/>
-            <a:ext cx="8280920" cy="1465529"/>
+            <a:off x="1524000" y="76200"/>
+            <a:ext cx="7584504" cy="685800"/>
           </a:xfrm>
-          <a:prstGeom prst="rect">
-            <a:avLst/>
-          </a:prstGeom>
-          <a:noFill/>
-        </p:spPr>
-        <p:txBody>
-          <a:bodyPr wrap="square">
-            <a:spAutoFit/>
-          </a:bodyPr>
+        </p:spPr>
+        <p:txBody>
+          <a:bodyPr/>
           <a:lstStyle/>
           <a:p>
             <a:pPr>
               <a:lnSpc>
-                <a:spcPct val="107000"/>
+                <a:spcPct val="115000"/>
               </a:lnSpc>
               <a:spcAft>
-                <a:spcPts val="800"/>
+                <a:spcPts val="1000"/>
               </a:spcAft>
             </a:pPr>
             <a:r>
-              <a:rPr lang="es-CL" dirty="0">
+              <a:rPr lang="es-CL" sz="3200" dirty="0">
+                <a:solidFill>
+                  <a:srgbClr val="222222"/>
+                </a:solidFill>
                 <a:effectLst/>
-                <a:latin typeface="Calibri" panose="020F0502020204030204" pitchFamily="34" charset="0"/>
-                <a:ea typeface="Calibri" panose="020F0502020204030204" pitchFamily="34" charset="0"/>
-                <a:cs typeface="Calibri" panose="020F0502020204030204" pitchFamily="34" charset="0"/>
+                <a:latin typeface="Arial" panose="020B0604020202020204" pitchFamily="34" charset="0"/>
+                <a:ea typeface="Times New Roman" panose="02020603050405020304" pitchFamily="18" charset="0"/>
+                <a:cs typeface="Times New Roman" panose="02020603050405020304" pitchFamily="18" charset="0"/>
               </a:rPr>
-              <a:t>Venta, puerto 8027.</a:t>
-            </a:r>
-          </a:p>
-          <a:p>
-            <a:pPr>
-              <a:lnSpc>
-                <a:spcPct val="107000"/>
-              </a:lnSpc>
-              <a:spcAft>
-                <a:spcPts val="800"/>
-              </a:spcAft>
-            </a:pPr>
-            <a:r>
-              <a:rPr lang="es-CL" dirty="0">
+              <a:t>Planificación Carta Gantt / Estructura de </a:t>
+            </a:r>
+            <a:r>
+              <a:rPr lang="es-CL" sz="3200" dirty="0" err="1">
+                <a:solidFill>
+                  <a:srgbClr val="222222"/>
+                </a:solidFill>
                 <a:effectLst/>
-                <a:latin typeface="Calibri" panose="020F0502020204030204" pitchFamily="34" charset="0"/>
-                <a:ea typeface="Calibri" panose="020F0502020204030204" pitchFamily="34" charset="0"/>
-                <a:cs typeface="Calibri" panose="020F0502020204030204" pitchFamily="34" charset="0"/>
+                <a:latin typeface="Arial" panose="020B0604020202020204" pitchFamily="34" charset="0"/>
+                <a:ea typeface="Times New Roman" panose="02020603050405020304" pitchFamily="18" charset="0"/>
+                <a:cs typeface="Times New Roman" panose="02020603050405020304" pitchFamily="18" charset="0"/>
               </a:rPr>
-              <a:t>Microservicio para poder pagar Boletas en estado impaga.</a:t>
-            </a:r>
-          </a:p>
-          <a:p>
-            <a:pPr>
-              <a:lnSpc>
-                <a:spcPct val="107000"/>
-              </a:lnSpc>
-              <a:spcAft>
-                <a:spcPts val="800"/>
-              </a:spcAft>
-            </a:pPr>
-            <a:r>
-              <a:rPr lang="es-CL" u="sng" dirty="0">
-                <a:effectLst/>
-                <a:latin typeface="Calibri" panose="020F0502020204030204" pitchFamily="34" charset="0"/>
-                <a:ea typeface="Calibri" panose="020F0502020204030204" pitchFamily="34" charset="0"/>
-                <a:cs typeface="Calibri" panose="020F0502020204030204" pitchFamily="34" charset="0"/>
-                <a:hlinkClick r:id="rId2">
-                  <a:extLst>
-                    <a:ext uri="{A12FA001-AC4F-418D-AE19-62706E023703}">
-                      <ahyp:hlinkClr xmlns:ahyp="http://schemas.microsoft.com/office/drawing/2018/hyperlinkcolor" val="tx"/>
-                    </a:ext>
-                  </a:extLst>
-                </a:hlinkClick>
-              </a:rPr>
-              <a:t>http://localhost:8027/pagarBoleta</a:t>
-            </a:r>
-            <a:endParaRPr lang="es-CL" dirty="0">
+              <a:t>Sprints</a:t>
+            </a:r>
+            <a:endParaRPr lang="es-CL" sz="4000" dirty="0">
               <a:effectLst/>
               <a:latin typeface="Calibri" panose="020F0502020204030204" pitchFamily="34" charset="0"/>
               <a:ea typeface="Calibri" panose="020F0502020204030204" pitchFamily="34" charset="0"/>
-              <a:cs typeface="Calibri" panose="020F0502020204030204" pitchFamily="34" charset="0"/>
+              <a:cs typeface="Times New Roman" panose="02020603050405020304" pitchFamily="18" charset="0"/>
             </a:endParaRPr>
+          </a:p>
+        </p:txBody>
+      </p:sp>
+      <p:sp>
+        <p:nvSpPr>
+          <p:cNvPr id="4" name="Marcador de pie de página 3">
+            <a:extLst>
+              <a:ext uri="{FF2B5EF4-FFF2-40B4-BE49-F238E27FC236}">
+                <a16:creationId xmlns:a16="http://schemas.microsoft.com/office/drawing/2014/main" id="{8256C4EB-0EE3-4956-A2AB-CD573D14114B}"/>
+              </a:ext>
+            </a:extLst>
+          </p:cNvPr>
+          <p:cNvSpPr>
+            <a:spLocks noGrp="1"/>
+          </p:cNvSpPr>
+          <p:nvPr>
+            <p:ph type="ftr" sz="quarter" idx="11"/>
+          </p:nvPr>
+        </p:nvSpPr>
+        <p:spPr/>
+        <p:txBody>
+          <a:bodyPr/>
+          <a:lstStyle/>
+          <a:p>
+            <a:pPr>
+              <a:defRPr/>
+            </a:pPr>
+            <a:r>
+              <a:rPr lang="es-CL"/>
+              <a:t>.::TDSW - Francisco Bórquez::.</a:t>
+            </a:r>
+          </a:p>
+        </p:txBody>
+      </p:sp>
+      <p:sp>
+        <p:nvSpPr>
+          <p:cNvPr id="5" name="Marcador de número de diapositiva 4">
+            <a:extLst>
+              <a:ext uri="{FF2B5EF4-FFF2-40B4-BE49-F238E27FC236}">
+                <a16:creationId xmlns:a16="http://schemas.microsoft.com/office/drawing/2014/main" id="{F5C94C65-9930-4DA1-8C85-674DACD39577}"/>
+              </a:ext>
+            </a:extLst>
+          </p:cNvPr>
+          <p:cNvSpPr>
+            <a:spLocks noGrp="1"/>
+          </p:cNvSpPr>
+          <p:nvPr>
+            <p:ph type="sldNum" sz="quarter" idx="12"/>
+          </p:nvPr>
+        </p:nvSpPr>
+        <p:spPr/>
+        <p:txBody>
+          <a:bodyPr/>
+          <a:lstStyle/>
+          <a:p>
+            <a:pPr>
+              <a:defRPr/>
+            </a:pPr>
+            <a:fld id="{C95D82B1-342D-4F2C-AE66-66FAF6C43A6A}" type="slidenum">
+              <a:rPr lang="es-CL" altLang="es-CL" smtClean="0"/>
+              <a:pPr>
+                <a:defRPr/>
+              </a:pPr>
+              <a:t>7</a:t>
+            </a:fld>
+            <a:endParaRPr lang="es-CL" altLang="es-CL"/>
           </a:p>
         </p:txBody>
       </p:sp>
       <p:pic>
         <p:nvPicPr>
-          <p:cNvPr id="4" name="Imagen 3">
-            <a:extLst>
-              <a:ext uri="{FF2B5EF4-FFF2-40B4-BE49-F238E27FC236}">
-                <a16:creationId xmlns:a16="http://schemas.microsoft.com/office/drawing/2014/main" id="{CC3D40E3-EF9D-4FE0-A488-FFCBB67A96BC}"/>
-              </a:ext>
-            </a:extLst>
-          </p:cNvPr>
-          <p:cNvPicPr/>
+          <p:cNvPr id="7" name="Imagen 6" descr="Tabla&#10;&#10;Descripción generada automáticamente">
+            <a:extLst>
+              <a:ext uri="{FF2B5EF4-FFF2-40B4-BE49-F238E27FC236}">
+                <a16:creationId xmlns:a16="http://schemas.microsoft.com/office/drawing/2014/main" id="{08F6E99A-FCFD-45B4-A323-1060C5582449}"/>
+              </a:ext>
+            </a:extLst>
+          </p:cNvPr>
+          <p:cNvPicPr>
+            <a:picLocks noChangeAspect="1"/>
+          </p:cNvPicPr>
           <p:nvPr/>
         </p:nvPicPr>
         <p:blipFill>
-          <a:blip r:embed="rId3"/>
+          <a:blip r:embed="rId2">
+            <a:extLst>
+              <a:ext uri="{28A0092B-C50C-407E-A947-70E740481C1C}">
+                <a14:useLocalDpi xmlns:a14="http://schemas.microsoft.com/office/drawing/2010/main" val="0"/>
+              </a:ext>
+            </a:extLst>
+          </a:blip>
           <a:stretch>
             <a:fillRect/>
           </a:stretch>
         </p:blipFill>
         <p:spPr>
           <a:xfrm>
-            <a:off x="1835696" y="2564904"/>
-            <a:ext cx="4290839" cy="3503023"/>
+            <a:off x="0" y="1684811"/>
+            <a:ext cx="9144000" cy="3488377"/>
           </a:xfrm>
           <a:prstGeom prst="rect">
             <a:avLst/>
@@ -7867,7 +7966,7 @@
     </p:spTree>
     <p:extLst>
       <p:ext uri="{BB962C8B-B14F-4D97-AF65-F5344CB8AC3E}">
-        <p14:creationId xmlns:p14="http://schemas.microsoft.com/office/powerpoint/2010/main" val="2410838819"/>
+        <p14:creationId xmlns:p14="http://schemas.microsoft.com/office/powerpoint/2010/main" val="1451508554"/>
       </p:ext>
     </p:extLst>
   </p:cSld>
@@ -7896,10 +7995,10 @@
       </p:grpSpPr>
       <p:sp>
         <p:nvSpPr>
-          <p:cNvPr id="3" name="CuadroTexto 2">
-            <a:extLst>
-              <a:ext uri="{FF2B5EF4-FFF2-40B4-BE49-F238E27FC236}">
-                <a16:creationId xmlns:a16="http://schemas.microsoft.com/office/drawing/2014/main" id="{640AA40A-D439-44B2-B639-AD6EE56C0C2F}"/>
+          <p:cNvPr id="7" name="CuadroTexto 6">
+            <a:extLst>
+              <a:ext uri="{FF2B5EF4-FFF2-40B4-BE49-F238E27FC236}">
+                <a16:creationId xmlns:a16="http://schemas.microsoft.com/office/drawing/2014/main" id="{5783D7D8-E585-4975-8440-6379EA6979FD}"/>
               </a:ext>
             </a:extLst>
           </p:cNvPr>
@@ -7908,8 +8007,8 @@
         </p:nvSpPr>
         <p:spPr>
           <a:xfrm>
-            <a:off x="323528" y="836712"/>
-            <a:ext cx="4572000" cy="1598194"/>
+            <a:off x="179512" y="908720"/>
+            <a:ext cx="8496944" cy="4144340"/>
           </a:xfrm>
           <a:prstGeom prst="rect">
             <a:avLst/>
@@ -7922,7 +8021,7 @@
           </a:bodyPr>
           <a:lstStyle/>
           <a:p>
-            <a:pPr>
+            <a:pPr indent="449580">
               <a:lnSpc>
                 <a:spcPct val="107000"/>
               </a:lnSpc>
@@ -7931,17 +8030,17 @@
               </a:spcAft>
             </a:pPr>
             <a:r>
-              <a:rPr lang="es-CL" sz="2000" dirty="0">
+              <a:rPr lang="es-CL" sz="2400" dirty="0">
                 <a:effectLst/>
                 <a:latin typeface="Calibri" panose="020F0502020204030204" pitchFamily="34" charset="0"/>
                 <a:ea typeface="Calibri" panose="020F0502020204030204" pitchFamily="34" charset="0"/>
                 <a:cs typeface="Times New Roman" panose="02020603050405020304" pitchFamily="18" charset="0"/>
               </a:rPr>
-              <a:t>Venta, puerto 8027.</a:t>
-            </a:r>
-          </a:p>
-          <a:p>
-            <a:pPr>
+              <a:t>A continuación, se presentaran los detalles de los software con que se realizo en proyecto de la carnicería Tía Carmen.</a:t>
+            </a:r>
+          </a:p>
+          <a:p>
+            <a:pPr indent="449580">
               <a:lnSpc>
                 <a:spcPct val="107000"/>
               </a:lnSpc>
@@ -7950,17 +8049,35 @@
               </a:spcAft>
             </a:pPr>
             <a:r>
-              <a:rPr lang="es-CL" sz="2000" dirty="0">
+              <a:rPr lang="es-CL" sz="2400" dirty="0">
                 <a:effectLst/>
                 <a:latin typeface="Calibri" panose="020F0502020204030204" pitchFamily="34" charset="0"/>
                 <a:ea typeface="Calibri" panose="020F0502020204030204" pitchFamily="34" charset="0"/>
                 <a:cs typeface="Times New Roman" panose="02020603050405020304" pitchFamily="18" charset="0"/>
               </a:rPr>
-              <a:t>Microservicio para poder pagar Facturas en estado impaga.</a:t>
-            </a:r>
-          </a:p>
-          <a:p>
-            <a:pPr>
+              <a:t>Front: Angular 12 con ionic versión 5, echo para Android y </a:t>
+            </a:r>
+            <a:r>
+              <a:rPr lang="es-CL" sz="2400" dirty="0" err="1">
+                <a:effectLst/>
+                <a:latin typeface="Calibri" panose="020F0502020204030204" pitchFamily="34" charset="0"/>
+                <a:ea typeface="Calibri" panose="020F0502020204030204" pitchFamily="34" charset="0"/>
+                <a:cs typeface="Times New Roman" panose="02020603050405020304" pitchFamily="18" charset="0"/>
+              </a:rPr>
+              <a:t>ios</a:t>
+            </a:r>
+            <a:r>
+              <a:rPr lang="es-CL" sz="2400" dirty="0">
+                <a:effectLst/>
+                <a:latin typeface="Calibri" panose="020F0502020204030204" pitchFamily="34" charset="0"/>
+                <a:ea typeface="Calibri" panose="020F0502020204030204" pitchFamily="34" charset="0"/>
+                <a:cs typeface="Times New Roman" panose="02020603050405020304" pitchFamily="18" charset="0"/>
+              </a:rPr>
+              <a:t>.</a:t>
+            </a:r>
+          </a:p>
+          <a:p>
+            <a:pPr indent="449580">
               <a:lnSpc>
                 <a:spcPct val="107000"/>
               </a:lnSpc>
@@ -7969,9 +8086,63 @@
               </a:spcAft>
             </a:pPr>
             <a:r>
-              <a:rPr lang="es-CL" sz="2000" u="sng" dirty="0">
+              <a:rPr lang="es-CL" sz="2400" dirty="0">
                 <a:effectLst/>
-                <a:latin typeface="Helvetica" panose="020B0604020202020204" pitchFamily="34" charset="0"/>
+                <a:latin typeface="Calibri" panose="020F0502020204030204" pitchFamily="34" charset="0"/>
+                <a:ea typeface="Calibri" panose="020F0502020204030204" pitchFamily="34" charset="0"/>
+                <a:cs typeface="Times New Roman" panose="02020603050405020304" pitchFamily="18" charset="0"/>
+              </a:rPr>
+              <a:t>Base de Datos: Oracle 11G.</a:t>
+            </a:r>
+          </a:p>
+          <a:p>
+            <a:pPr indent="449580">
+              <a:lnSpc>
+                <a:spcPct val="107000"/>
+              </a:lnSpc>
+              <a:spcAft>
+                <a:spcPts val="800"/>
+              </a:spcAft>
+            </a:pPr>
+            <a:r>
+              <a:rPr lang="es-CL" sz="2400" dirty="0">
+                <a:effectLst/>
+                <a:latin typeface="Calibri" panose="020F0502020204030204" pitchFamily="34" charset="0"/>
+                <a:ea typeface="Calibri" panose="020F0502020204030204" pitchFamily="34" charset="0"/>
+                <a:cs typeface="Times New Roman" panose="02020603050405020304" pitchFamily="18" charset="0"/>
+              </a:rPr>
+              <a:t>Back: Sprint con JPA, IDE SpringToolSuite4, consideración debe tener correctamente configurado lombok en el IDE, se adjunta página de referencia.</a:t>
+            </a:r>
+          </a:p>
+          <a:p>
+            <a:pPr indent="449580">
+              <a:lnSpc>
+                <a:spcPct val="107000"/>
+              </a:lnSpc>
+              <a:spcAft>
+                <a:spcPts val="800"/>
+              </a:spcAft>
+            </a:pPr>
+            <a:endParaRPr lang="es-CL" sz="2400" dirty="0">
+              <a:effectLst/>
+              <a:latin typeface="Calibri" panose="020F0502020204030204" pitchFamily="34" charset="0"/>
+              <a:ea typeface="Calibri" panose="020F0502020204030204" pitchFamily="34" charset="0"/>
+              <a:cs typeface="Times New Roman" panose="02020603050405020304" pitchFamily="18" charset="0"/>
+            </a:endParaRPr>
+          </a:p>
+          <a:p>
+            <a:pPr indent="449580">
+              <a:lnSpc>
+                <a:spcPct val="107000"/>
+              </a:lnSpc>
+              <a:spcAft>
+                <a:spcPts val="800"/>
+              </a:spcAft>
+            </a:pPr>
+            <a:r>
+              <a:rPr lang="es-CL" sz="2400" u="sng" dirty="0">
+                <a:effectLst/>
+                <a:latin typeface="Calibri" panose="020F0502020204030204" pitchFamily="34" charset="0"/>
                 <a:ea typeface="Calibri" panose="020F0502020204030204" pitchFamily="34" charset="0"/>
                 <a:cs typeface="Times New Roman" panose="02020603050405020304" pitchFamily="18" charset="0"/>
                 <a:hlinkClick r:id="rId2">
@@ -7982,9 +8153,9 @@
                   </a:extLst>
                 </a:hlinkClick>
               </a:rPr>
-              <a:t>http://localhost:8027/pagarFactura</a:t>
-            </a:r>
-            <a:endParaRPr lang="es-CL" sz="2000" dirty="0">
+              <a:t>https://projectlombok.org/download</a:t>
+            </a:r>
+            <a:endParaRPr lang="es-CL" sz="2400" dirty="0">
               <a:effectLst/>
               <a:latin typeface="Calibri" panose="020F0502020204030204" pitchFamily="34" charset="0"/>
               <a:ea typeface="Calibri" panose="020F0502020204030204" pitchFamily="34" charset="0"/>
@@ -7993,38 +8164,10 @@
           </a:p>
         </p:txBody>
       </p:sp>
-      <p:pic>
-        <p:nvPicPr>
-          <p:cNvPr id="4" name="Imagen 3">
-            <a:extLst>
-              <a:ext uri="{FF2B5EF4-FFF2-40B4-BE49-F238E27FC236}">
-                <a16:creationId xmlns:a16="http://schemas.microsoft.com/office/drawing/2014/main" id="{58A315AC-F414-422F-9409-262575F54D76}"/>
-              </a:ext>
-            </a:extLst>
-          </p:cNvPr>
-          <p:cNvPicPr/>
-          <p:nvPr/>
-        </p:nvPicPr>
-        <p:blipFill>
-          <a:blip r:embed="rId3"/>
-          <a:stretch>
-            <a:fillRect/>
-          </a:stretch>
-        </p:blipFill>
-        <p:spPr>
-          <a:xfrm>
-            <a:off x="2267744" y="2475834"/>
-            <a:ext cx="4441329" cy="3894522"/>
-          </a:xfrm>
-          <a:prstGeom prst="rect">
-            <a:avLst/>
-          </a:prstGeom>
-        </p:spPr>
-      </p:pic>
     </p:spTree>
     <p:extLst>
       <p:ext uri="{BB962C8B-B14F-4D97-AF65-F5344CB8AC3E}">
-        <p14:creationId xmlns:p14="http://schemas.microsoft.com/office/powerpoint/2010/main" val="439122408"/>
+        <p14:creationId xmlns:p14="http://schemas.microsoft.com/office/powerpoint/2010/main" val="459212641"/>
       </p:ext>
     </p:extLst>
   </p:cSld>
@@ -8056,7 +8199,7 @@
           <p:cNvPr id="3" name="CuadroTexto 2">
             <a:extLst>
               <a:ext uri="{FF2B5EF4-FFF2-40B4-BE49-F238E27FC236}">
-                <a16:creationId xmlns:a16="http://schemas.microsoft.com/office/drawing/2014/main" id="{3F08BC83-DEDD-43E1-B2C8-99576BCE2F3E}"/>
+                <a16:creationId xmlns:a16="http://schemas.microsoft.com/office/drawing/2014/main" id="{6F13D860-74D4-4701-9ED6-66B5D2AAC256}"/>
               </a:ext>
             </a:extLst>
           </p:cNvPr>
@@ -8065,8 +8208,8 @@
         </p:nvSpPr>
         <p:spPr>
           <a:xfrm>
-            <a:off x="179512" y="692696"/>
-            <a:ext cx="5814392" cy="1860702"/>
+            <a:off x="395536" y="836712"/>
+            <a:ext cx="8064896" cy="4642105"/>
           </a:xfrm>
           <a:prstGeom prst="rect">
             <a:avLst/>
@@ -8079,7 +8222,7 @@
           </a:bodyPr>
           <a:lstStyle/>
           <a:p>
-            <a:pPr>
+            <a:pPr indent="449580">
               <a:lnSpc>
                 <a:spcPct val="107000"/>
               </a:lnSpc>
@@ -8094,11 +8237,11 @@
                 <a:ea typeface="Calibri" panose="020F0502020204030204" pitchFamily="34" charset="0"/>
                 <a:cs typeface="Times New Roman" panose="02020603050405020304" pitchFamily="18" charset="0"/>
               </a:rPr>
-              <a:t>Clientes, puerto 8024.</a:t>
-            </a:r>
-          </a:p>
-          <a:p>
-            <a:pPr>
+              <a:t>Repositorio GIT:</a:t>
+            </a:r>
+          </a:p>
+          <a:p>
+            <a:pPr indent="449580">
               <a:lnSpc>
                 <a:spcPct val="107000"/>
               </a:lnSpc>
@@ -8106,6 +8249,23 @@
                 <a:spcPts val="800"/>
               </a:spcAft>
             </a:pPr>
+            <a:endParaRPr lang="es-CL" dirty="0">
+              <a:latin typeface="Calibri" panose="020F0502020204030204" pitchFamily="34" charset="0"/>
+              <a:ea typeface="Calibri" panose="020F0502020204030204" pitchFamily="34" charset="0"/>
+              <a:cs typeface="Times New Roman" panose="02020603050405020304" pitchFamily="18" charset="0"/>
+            </a:endParaRPr>
+          </a:p>
+          <a:p>
+            <a:pPr marL="342900" indent="-342900">
+              <a:lnSpc>
+                <a:spcPct val="107000"/>
+              </a:lnSpc>
+              <a:spcAft>
+                <a:spcPts val="800"/>
+              </a:spcAft>
+              <a:buFont typeface="Arial" panose="020B0604020202020204" pitchFamily="34" charset="0"/>
+              <a:buChar char="•"/>
+            </a:pPr>
             <a:r>
               <a:rPr lang="es-CL" sz="2400" dirty="0">
                 <a:effectLst/>
@@ -8113,28 +8273,13 @@
                 <a:ea typeface="Calibri" panose="020F0502020204030204" pitchFamily="34" charset="0"/>
                 <a:cs typeface="Times New Roman" panose="02020603050405020304" pitchFamily="18" charset="0"/>
               </a:rPr>
-              <a:t>Microservicio consultar si cliente </a:t>
-            </a:r>
-            <a:r>
-              <a:rPr lang="es-CL" dirty="0">
+              <a:t> </a:t>
+            </a:r>
+            <a:r>
+              <a:rPr lang="es-CL" sz="2400" b="1" u="sng" dirty="0">
+                <a:effectLst/>
                 <a:latin typeface="Calibri" panose="020F0502020204030204" pitchFamily="34" charset="0"/>
-                <a:cs typeface="Times New Roman" panose="02020603050405020304" pitchFamily="18" charset="0"/>
-              </a:rPr>
-              <a:t>existe a nivel de BD.</a:t>
-            </a:r>
-          </a:p>
-          <a:p>
-            <a:pPr>
-              <a:lnSpc>
-                <a:spcPct val="107000"/>
-              </a:lnSpc>
-              <a:spcAft>
-                <a:spcPts val="800"/>
-              </a:spcAft>
-            </a:pPr>
-            <a:r>
-              <a:rPr lang="es-CL" dirty="0">
-                <a:latin typeface="Calibri" panose="020F0502020204030204" pitchFamily="34" charset="0"/>
+                <a:ea typeface="Calibri" panose="020F0502020204030204" pitchFamily="34" charset="0"/>
                 <a:cs typeface="Times New Roman" panose="02020603050405020304" pitchFamily="18" charset="0"/>
                 <a:hlinkClick r:id="rId2">
                   <a:extLst>
@@ -8144,47 +8289,151 @@
                   </a:extLst>
                 </a:hlinkClick>
               </a:rPr>
-              <a:t>http://localhost:8024/ConsultaClientes</a:t>
-            </a:r>
-            <a:endParaRPr lang="es-CL" dirty="0">
+              <a:t>https://github.com/ManuelMarinRodriguez/TiaCarmen</a:t>
+            </a:r>
+            <a:endParaRPr lang="es-CL" sz="2400" b="1" dirty="0">
+              <a:effectLst/>
               <a:latin typeface="Calibri" panose="020F0502020204030204" pitchFamily="34" charset="0"/>
+              <a:ea typeface="Calibri" panose="020F0502020204030204" pitchFamily="34" charset="0"/>
               <a:cs typeface="Times New Roman" panose="02020603050405020304" pitchFamily="18" charset="0"/>
             </a:endParaRPr>
           </a:p>
-        </p:txBody>
-      </p:sp>
-      <p:pic>
-        <p:nvPicPr>
-          <p:cNvPr id="4" name="Imagen 3">
-            <a:extLst>
-              <a:ext uri="{FF2B5EF4-FFF2-40B4-BE49-F238E27FC236}">
-                <a16:creationId xmlns:a16="http://schemas.microsoft.com/office/drawing/2014/main" id="{E799D715-0C35-4780-98B2-878AFC2787D9}"/>
-              </a:ext>
-            </a:extLst>
-          </p:cNvPr>
-          <p:cNvPicPr/>
-          <p:nvPr/>
-        </p:nvPicPr>
-        <p:blipFill>
-          <a:blip r:embed="rId3"/>
-          <a:stretch>
-            <a:fillRect/>
-          </a:stretch>
-        </p:blipFill>
-        <p:spPr>
-          <a:xfrm>
-            <a:off x="1187624" y="2708920"/>
-            <a:ext cx="5612130" cy="3703320"/>
-          </a:xfrm>
-          <a:prstGeom prst="rect">
-            <a:avLst/>
-          </a:prstGeom>
-        </p:spPr>
-      </p:pic>
+          <a:p>
+            <a:pPr indent="449580">
+              <a:lnSpc>
+                <a:spcPct val="107000"/>
+              </a:lnSpc>
+              <a:spcAft>
+                <a:spcPts val="800"/>
+              </a:spcAft>
+            </a:pPr>
+            <a:r>
+              <a:rPr lang="es-CL" sz="2400" dirty="0">
+                <a:effectLst/>
+                <a:latin typeface="Calibri" panose="020F0502020204030204" pitchFamily="34" charset="0"/>
+                <a:ea typeface="Calibri" panose="020F0502020204030204" pitchFamily="34" charset="0"/>
+                <a:cs typeface="Times New Roman" panose="02020603050405020304" pitchFamily="18" charset="0"/>
+              </a:rPr>
+              <a:t> </a:t>
+            </a:r>
+          </a:p>
+          <a:p>
+            <a:pPr indent="449580">
+              <a:lnSpc>
+                <a:spcPct val="107000"/>
+              </a:lnSpc>
+              <a:spcAft>
+                <a:spcPts val="800"/>
+              </a:spcAft>
+            </a:pPr>
+            <a:r>
+              <a:rPr lang="es-CL" sz="2400" dirty="0">
+                <a:effectLst/>
+                <a:latin typeface="Calibri" panose="020F0502020204030204" pitchFamily="34" charset="0"/>
+                <a:ea typeface="Calibri" panose="020F0502020204030204" pitchFamily="34" charset="0"/>
+                <a:cs typeface="Times New Roman" panose="02020603050405020304" pitchFamily="18" charset="0"/>
+              </a:rPr>
+              <a:t> </a:t>
+            </a:r>
+          </a:p>
+          <a:p>
+            <a:pPr>
+              <a:lnSpc>
+                <a:spcPct val="107000"/>
+              </a:lnSpc>
+              <a:spcAft>
+                <a:spcPts val="800"/>
+              </a:spcAft>
+            </a:pPr>
+            <a:r>
+              <a:rPr lang="es-CL" sz="2400" dirty="0">
+                <a:effectLst/>
+                <a:latin typeface="Calibri" panose="020F0502020204030204" pitchFamily="34" charset="0"/>
+                <a:ea typeface="Calibri" panose="020F0502020204030204" pitchFamily="34" charset="0"/>
+                <a:cs typeface="Times New Roman" panose="02020603050405020304" pitchFamily="18" charset="0"/>
+              </a:rPr>
+              <a:t>Puertos de los MS: </a:t>
+            </a:r>
+          </a:p>
+          <a:p>
+            <a:pPr marL="342900" lvl="0" indent="-342900">
+              <a:lnSpc>
+                <a:spcPct val="107000"/>
+              </a:lnSpc>
+              <a:buFont typeface="Symbol" panose="05050102010706020507" pitchFamily="18" charset="2"/>
+              <a:buChar char=""/>
+            </a:pPr>
+            <a:r>
+              <a:rPr lang="es-CL" dirty="0">
+                <a:latin typeface="Calibri" panose="020F0502020204030204" pitchFamily="34" charset="0"/>
+                <a:cs typeface="Times New Roman" panose="02020603050405020304" pitchFamily="18" charset="0"/>
+              </a:rPr>
+              <a:t>Clientes, puerto 8024.</a:t>
+            </a:r>
+          </a:p>
+          <a:p>
+            <a:pPr marL="342900" lvl="0" indent="-342900">
+              <a:lnSpc>
+                <a:spcPct val="107000"/>
+              </a:lnSpc>
+              <a:buFont typeface="Symbol" panose="05050102010706020507" pitchFamily="18" charset="2"/>
+              <a:buChar char=""/>
+            </a:pPr>
+            <a:r>
+              <a:rPr lang="es-CL" sz="2400" dirty="0">
+                <a:effectLst/>
+                <a:latin typeface="Calibri" panose="020F0502020204030204" pitchFamily="34" charset="0"/>
+                <a:ea typeface="Calibri" panose="020F0502020204030204" pitchFamily="34" charset="0"/>
+                <a:cs typeface="Times New Roman" panose="02020603050405020304" pitchFamily="18" charset="0"/>
+              </a:rPr>
+              <a:t>Voucher, puerto 8025.</a:t>
+            </a:r>
+          </a:p>
+          <a:p>
+            <a:pPr marL="342900" lvl="0" indent="-342900">
+              <a:lnSpc>
+                <a:spcPct val="107000"/>
+              </a:lnSpc>
+              <a:buFont typeface="Symbol" panose="05050102010706020507" pitchFamily="18" charset="2"/>
+              <a:buChar char=""/>
+            </a:pPr>
+            <a:r>
+              <a:rPr lang="es-CL" sz="2400" dirty="0">
+                <a:effectLst/>
+                <a:latin typeface="Calibri" panose="020F0502020204030204" pitchFamily="34" charset="0"/>
+                <a:ea typeface="Calibri" panose="020F0502020204030204" pitchFamily="34" charset="0"/>
+                <a:cs typeface="Times New Roman" panose="02020603050405020304" pitchFamily="18" charset="0"/>
+              </a:rPr>
+              <a:t>Producto, puerto 8026.</a:t>
+            </a:r>
+          </a:p>
+          <a:p>
+            <a:pPr marL="342900" lvl="0" indent="-342900">
+              <a:lnSpc>
+                <a:spcPct val="107000"/>
+              </a:lnSpc>
+              <a:spcAft>
+                <a:spcPts val="800"/>
+              </a:spcAft>
+              <a:buFont typeface="Symbol" panose="05050102010706020507" pitchFamily="18" charset="2"/>
+              <a:buChar char=""/>
+            </a:pPr>
+            <a:r>
+              <a:rPr lang="es-CL" sz="2400" dirty="0">
+                <a:effectLst/>
+                <a:latin typeface="Calibri" panose="020F0502020204030204" pitchFamily="34" charset="0"/>
+                <a:ea typeface="Calibri" panose="020F0502020204030204" pitchFamily="34" charset="0"/>
+                <a:cs typeface="Times New Roman" panose="02020603050405020304" pitchFamily="18" charset="0"/>
+              </a:rPr>
+              <a:t>Venta, puerto 8027.</a:t>
+            </a:r>
+          </a:p>
+        </p:txBody>
+      </p:sp>
     </p:spTree>
     <p:extLst>
       <p:ext uri="{BB962C8B-B14F-4D97-AF65-F5344CB8AC3E}">
-        <p14:creationId xmlns:p14="http://schemas.microsoft.com/office/powerpoint/2010/main" val="2176865055"/>
+        <p14:creationId xmlns:p14="http://schemas.microsoft.com/office/powerpoint/2010/main" val="3638841080"/>
       </p:ext>
     </p:extLst>
   </p:cSld>
